--- a/DEVOPS-Demo Session.pptx
+++ b/DEVOPS-Demo Session.pptx
@@ -5,12 +5,17 @@
     <p:sldMasterId id="2147483648" r:id="rId1"/>
   </p:sldMasterIdLst>
   <p:sldIdLst>
-    <p:sldId id="256" r:id="rId2"/>
+    <p:sldId id="272" r:id="rId2"/>
     <p:sldId id="258" r:id="rId3"/>
     <p:sldId id="259" r:id="rId4"/>
-    <p:sldId id="261" r:id="rId5"/>
-    <p:sldId id="260" r:id="rId6"/>
-    <p:sldId id="257" r:id="rId7"/>
+    <p:sldId id="267" r:id="rId5"/>
+    <p:sldId id="261" r:id="rId6"/>
+    <p:sldId id="260" r:id="rId7"/>
+    <p:sldId id="263" r:id="rId8"/>
+    <p:sldId id="265" r:id="rId9"/>
+    <p:sldId id="264" r:id="rId10"/>
+    <p:sldId id="266" r:id="rId11"/>
+    <p:sldId id="270" r:id="rId12"/>
   </p:sldIdLst>
   <p:sldSz cx="12192000" cy="6858000"/>
   <p:notesSz cx="6858000" cy="9144000"/>
@@ -109,6 +114,11 @@
       </a:defRPr>
     </a:lvl9pPr>
   </p:defaultTextStyle>
+  <p:extLst>
+    <p:ext uri="{EFAFB233-063F-42B5-8137-9DF3F51BA10A}">
+      <p15:sldGuideLst xmlns:p15="http://schemas.microsoft.com/office/powerpoint/2012/main"/>
+    </p:ext>
+  </p:extLst>
 </p:presentation>
 </file>
 
@@ -298,7 +308,7 @@
           <a:p>
             <a:fld id="{4AAD347D-5ACD-4C99-B74B-A9C85AD731AF}" type="datetimeFigureOut">
               <a:rPr lang="en-US" dirty="0"/>
-              <a:t>10/14/2019</a:t>
+              <a:t>10/23/2019</a:t>
             </a:fld>
             <a:endParaRPr lang="en-US" dirty="0"/>
           </a:p>
@@ -568,7 +578,7 @@
           <a:p>
             <a:fld id="{4509A250-FF31-4206-8172-F9D3106AACB1}" type="datetimeFigureOut">
               <a:rPr lang="en-US" dirty="0"/>
-              <a:t>10/14/2019</a:t>
+              <a:t>10/23/2019</a:t>
             </a:fld>
             <a:endParaRPr lang="en-US" dirty="0"/>
           </a:p>
@@ -757,7 +767,7 @@
           <a:p>
             <a:fld id="{4509A250-FF31-4206-8172-F9D3106AACB1}" type="datetimeFigureOut">
               <a:rPr lang="en-US" dirty="0"/>
-              <a:t>10/14/2019</a:t>
+              <a:t>10/23/2019</a:t>
             </a:fld>
             <a:endParaRPr lang="en-US" dirty="0"/>
           </a:p>
@@ -1025,7 +1035,7 @@
           <a:p>
             <a:fld id="{4509A250-FF31-4206-8172-F9D3106AACB1}" type="datetimeFigureOut">
               <a:rPr lang="en-US" dirty="0"/>
-              <a:t>10/14/2019</a:t>
+              <a:t>10/23/2019</a:t>
             </a:fld>
             <a:endParaRPr lang="en-US" dirty="0"/>
           </a:p>
@@ -1361,7 +1371,7 @@
           <a:p>
             <a:fld id="{4509A250-FF31-4206-8172-F9D3106AACB1}" type="datetimeFigureOut">
               <a:rPr lang="en-US" dirty="0"/>
-              <a:t>10/14/2019</a:t>
+              <a:t>10/23/2019</a:t>
             </a:fld>
             <a:endParaRPr lang="en-US" dirty="0"/>
           </a:p>
@@ -1979,7 +1989,7 @@
           <a:p>
             <a:fld id="{4509A250-FF31-4206-8172-F9D3106AACB1}" type="datetimeFigureOut">
               <a:rPr lang="en-US" dirty="0"/>
-              <a:t>10/14/2019</a:t>
+              <a:t>10/23/2019</a:t>
             </a:fld>
             <a:endParaRPr lang="en-US" dirty="0"/>
           </a:p>
@@ -2834,7 +2844,7 @@
           <a:p>
             <a:fld id="{4509A250-FF31-4206-8172-F9D3106AACB1}" type="datetimeFigureOut">
               <a:rPr lang="en-US" dirty="0"/>
-              <a:t>10/14/2019</a:t>
+              <a:t>10/23/2019</a:t>
             </a:fld>
             <a:endParaRPr lang="en-US" dirty="0"/>
           </a:p>
@@ -2999,7 +3009,7 @@
           <a:p>
             <a:fld id="{4509A250-FF31-4206-8172-F9D3106AACB1}" type="datetimeFigureOut">
               <a:rPr lang="en-US" dirty="0"/>
-              <a:t>10/14/2019</a:t>
+              <a:t>10/23/2019</a:t>
             </a:fld>
             <a:endParaRPr lang="en-US" dirty="0"/>
           </a:p>
@@ -3174,7 +3184,7 @@
           <a:p>
             <a:fld id="{4509A250-FF31-4206-8172-F9D3106AACB1}" type="datetimeFigureOut">
               <a:rPr lang="en-US" dirty="0"/>
-              <a:t>10/14/2019</a:t>
+              <a:t>10/23/2019</a:t>
             </a:fld>
             <a:endParaRPr lang="en-US" dirty="0"/>
           </a:p>
@@ -3223,6 +3233,98 @@
         </p:txBody>
       </p:sp>
     </p:spTree>
+  </p:cSld>
+  <p:clrMapOvr>
+    <a:masterClrMapping/>
+  </p:clrMapOvr>
+</p:sldLayout>
+</file>
+
+<file path=ppt/slideLayouts/slideLayout18.xml><?xml version="1.0" encoding="utf-8"?>
+<p:sldLayout xmlns:a="http://schemas.openxmlformats.org/drawingml/2006/main" xmlns:r="http://schemas.openxmlformats.org/officeDocument/2006/relationships" xmlns:p="http://schemas.openxmlformats.org/presentationml/2006/main" userDrawn="1">
+  <p:cSld name="1_Custom Layout">
+    <p:bg>
+      <p:bgPr>
+        <a:gradFill flip="none" rotWithShape="1">
+          <a:gsLst>
+            <a:gs pos="0">
+              <a:schemeClr val="accent1"/>
+            </a:gs>
+            <a:gs pos="100000">
+              <a:schemeClr val="accent1">
+                <a:lumMod val="75000"/>
+              </a:schemeClr>
+            </a:gs>
+          </a:gsLst>
+          <a:lin ang="8100000" scaled="1"/>
+          <a:tileRect/>
+        </a:gradFill>
+        <a:effectLst/>
+      </p:bgPr>
+    </p:bg>
+    <p:spTree>
+      <p:nvGrpSpPr>
+        <p:cNvPr id="1" name=""/>
+        <p:cNvGrpSpPr/>
+        <p:nvPr/>
+      </p:nvGrpSpPr>
+      <p:grpSpPr>
+        <a:xfrm>
+          <a:off x="0" y="0"/>
+          <a:ext cx="0" cy="0"/>
+          <a:chOff x="0" y="0"/>
+          <a:chExt cx="0" cy="0"/>
+        </a:xfrm>
+      </p:grpSpPr>
+      <p:sp>
+        <p:nvSpPr>
+          <p:cNvPr id="3" name="Title 2">
+            <a:extLst>
+              <a:ext uri="{FF2B5EF4-FFF2-40B4-BE49-F238E27FC236}">
+                <a16:creationId xmlns:a16="http://schemas.microsoft.com/office/drawing/2014/main" id="{BFF535D9-DD1B-FF43-869D-0198EB4F764E}"/>
+              </a:ext>
+            </a:extLst>
+          </p:cNvPr>
+          <p:cNvSpPr>
+            <a:spLocks noGrp="1"/>
+          </p:cNvSpPr>
+          <p:nvPr>
+            <p:ph type="title"/>
+          </p:nvPr>
+        </p:nvSpPr>
+        <p:spPr>
+          <a:xfrm>
+            <a:off x="838200" y="365125"/>
+            <a:ext cx="10515600" cy="5989179"/>
+          </a:xfrm>
+        </p:spPr>
+        <p:txBody>
+          <a:bodyPr>
+            <a:normAutofit/>
+          </a:bodyPr>
+          <a:lstStyle>
+            <a:lvl1pPr algn="ctr">
+              <a:defRPr sz="9600">
+                <a:solidFill>
+                  <a:schemeClr val="bg1"/>
+                </a:solidFill>
+              </a:defRPr>
+            </a:lvl1pPr>
+          </a:lstStyle>
+          <a:p>
+            <a:r>
+              <a:rPr lang="en-US"/>
+              <a:t>Click to edit Master title style</a:t>
+            </a:r>
+          </a:p>
+        </p:txBody>
+      </p:sp>
+    </p:spTree>
+    <p:extLst>
+      <p:ext uri="{BB962C8B-B14F-4D97-AF65-F5344CB8AC3E}">
+        <p14:creationId xmlns:p14="http://schemas.microsoft.com/office/powerpoint/2010/main" val="1962125478"/>
+      </p:ext>
+    </p:extLst>
   </p:cSld>
   <p:clrMapOvr>
     <a:masterClrMapping/>
@@ -3339,7 +3441,7 @@
           <a:p>
             <a:fld id="{4509A250-FF31-4206-8172-F9D3106AACB1}" type="datetimeFigureOut">
               <a:rPr lang="en-US" dirty="0"/>
-              <a:t>10/14/2019</a:t>
+              <a:t>10/23/2019</a:t>
             </a:fld>
             <a:endParaRPr lang="en-US" dirty="0"/>
           </a:p>
@@ -3581,7 +3683,7 @@
           <a:p>
             <a:fld id="{9796027F-7875-4030-9381-8BD8C4F21935}" type="datetimeFigureOut">
               <a:rPr lang="en-US" dirty="0"/>
-              <a:t>10/14/2019</a:t>
+              <a:t>10/23/2019</a:t>
             </a:fld>
             <a:endParaRPr lang="en-US" dirty="0"/>
           </a:p>
@@ -3868,7 +3970,7 @@
           <a:p>
             <a:fld id="{9796027F-7875-4030-9381-8BD8C4F21935}" type="datetimeFigureOut">
               <a:rPr lang="en-US" dirty="0"/>
-              <a:t>10/14/2019</a:t>
+              <a:t>10/23/2019</a:t>
             </a:fld>
             <a:endParaRPr lang="en-US" dirty="0"/>
           </a:p>
@@ -4307,7 +4409,7 @@
           <a:p>
             <a:fld id="{9796027F-7875-4030-9381-8BD8C4F21935}" type="datetimeFigureOut">
               <a:rPr lang="en-US" dirty="0"/>
-              <a:t>10/14/2019</a:t>
+              <a:t>10/23/2019</a:t>
             </a:fld>
             <a:endParaRPr lang="en-US" dirty="0"/>
           </a:p>
@@ -4420,7 +4522,7 @@
           <a:p>
             <a:fld id="{4509A250-FF31-4206-8172-F9D3106AACB1}" type="datetimeFigureOut">
               <a:rPr lang="en-US" dirty="0"/>
-              <a:t>10/14/2019</a:t>
+              <a:t>10/23/2019</a:t>
             </a:fld>
             <a:endParaRPr lang="en-US" dirty="0"/>
           </a:p>
@@ -4510,7 +4612,7 @@
           <a:p>
             <a:fld id="{4509A250-FF31-4206-8172-F9D3106AACB1}" type="datetimeFigureOut">
               <a:rPr lang="en-US" dirty="0"/>
-              <a:t>10/14/2019</a:t>
+              <a:t>10/23/2019</a:t>
             </a:fld>
             <a:endParaRPr lang="en-US" dirty="0"/>
           </a:p>
@@ -4784,7 +4886,7 @@
           <a:p>
             <a:fld id="{4509A250-FF31-4206-8172-F9D3106AACB1}" type="datetimeFigureOut">
               <a:rPr lang="en-US" dirty="0"/>
-              <a:t>10/14/2019</a:t>
+              <a:t>10/23/2019</a:t>
             </a:fld>
             <a:endParaRPr lang="en-US" dirty="0"/>
           </a:p>
@@ -5054,7 +5156,7 @@
           <a:p>
             <a:fld id="{4509A250-FF31-4206-8172-F9D3106AACB1}" type="datetimeFigureOut">
               <a:rPr lang="en-US" dirty="0"/>
-              <a:t>10/14/2019</a:t>
+              <a:t>10/23/2019</a:t>
             </a:fld>
             <a:endParaRPr lang="en-US" dirty="0"/>
           </a:p>
@@ -5141,7 +5243,7 @@
           <p:nvPr/>
         </p:nvPicPr>
         <p:blipFill rotWithShape="1">
-          <a:blip r:embed="rId19">
+          <a:blip r:embed="rId20">
             <a:extLst>
               <a:ext uri="{28A0092B-C50C-407E-A947-70E740481C1C}">
                 <a14:useLocalDpi xmlns:a14="http://schemas.microsoft.com/office/drawing/2010/main" val="0"/>
@@ -5170,7 +5272,7 @@
           <p:nvPr/>
         </p:nvPicPr>
         <p:blipFill rotWithShape="1">
-          <a:blip r:embed="rId20">
+          <a:blip r:embed="rId21">
             <a:extLst>
               <a:ext uri="{28A0092B-C50C-407E-A947-70E740481C1C}">
                 <a14:useLocalDpi xmlns:a14="http://schemas.microsoft.com/office/drawing/2010/main" val="0"/>
@@ -5262,7 +5364,7 @@
           <p:nvPr/>
         </p:nvPicPr>
         <p:blipFill rotWithShape="1">
-          <a:blip r:embed="rId21">
+          <a:blip r:embed="rId22">
             <a:extLst>
               <a:ext uri="{28A0092B-C50C-407E-A947-70E740481C1C}">
                 <a14:useLocalDpi xmlns:a14="http://schemas.microsoft.com/office/drawing/2010/main" val="0"/>
@@ -5291,7 +5393,7 @@
           <p:nvPr/>
         </p:nvPicPr>
         <p:blipFill rotWithShape="1">
-          <a:blip r:embed="rId22">
+          <a:blip r:embed="rId23">
             <a:extLst>
               <a:ext uri="{28A0092B-C50C-407E-A947-70E740481C1C}">
                 <a14:useLocalDpi xmlns:a14="http://schemas.microsoft.com/office/drawing/2010/main" val="0"/>
@@ -5478,7 +5580,7 @@
           <a:p>
             <a:fld id="{4AAD347D-5ACD-4C99-B74B-A9C85AD731AF}" type="datetimeFigureOut">
               <a:rPr lang="en-US" dirty="0"/>
-              <a:t>10/14/2019</a:t>
+              <a:t>10/23/2019</a:t>
             </a:fld>
             <a:endParaRPr lang="en-US" dirty="0"/>
           </a:p>
@@ -5584,6 +5686,7 @@
     <p:sldLayoutId id="2147483670" r:id="rId15"/>
     <p:sldLayoutId id="2147483658" r:id="rId16"/>
     <p:sldLayoutId id="2147483659" r:id="rId17"/>
+    <p:sldLayoutId id="2147483671" r:id="rId18"/>
   </p:sldLayoutIdLst>
   <p:hf sldNum="0" hdr="0" ftr="0" dt="0"/>
   <p:txStyles>
@@ -6009,76 +6112,623 @@
             <a:spLocks noGrp="1"/>
           </p:cNvSpPr>
           <p:nvPr>
-            <p:ph type="ctrTitle"/>
+            <p:ph type="title"/>
           </p:nvPr>
         </p:nvSpPr>
         <p:spPr>
           <a:xfrm>
-            <a:off x="152400" y="2015837"/>
-            <a:ext cx="12039600" cy="1260764"/>
+            <a:off x="3034471" y="1576193"/>
+            <a:ext cx="8825657" cy="1651101"/>
           </a:xfrm>
         </p:spPr>
         <p:txBody>
           <a:bodyPr/>
           <a:lstStyle/>
           <a:p>
-            <a:pPr algn="ctr"/>
-            <a:r>
-              <a:rPr lang="en-US" dirty="0" smtClean="0"/>
-              <a:t>DEVOPS-Demo Session</a:t>
-            </a:r>
-            <a:endParaRPr lang="en-US" dirty="0"/>
-          </a:p>
-        </p:txBody>
-      </p:sp>
-      <p:sp>
-        <p:nvSpPr>
-          <p:cNvPr id="3" name="Subtitle 2"/>
-          <p:cNvSpPr>
-            <a:spLocks noGrp="1"/>
-          </p:cNvSpPr>
-          <p:nvPr>
-            <p:ph type="subTitle" idx="1"/>
+            <a:r>
+              <a:rPr lang="en-US" sz="9600" dirty="0"/>
+              <a:t>DEVOPS</a:t>
+            </a:r>
+          </a:p>
+        </p:txBody>
+      </p:sp>
+      <p:sp>
+        <p:nvSpPr>
+          <p:cNvPr id="3" name="Text Placeholder 2"/>
+          <p:cNvSpPr>
+            <a:spLocks noGrp="1"/>
+          </p:cNvSpPr>
+          <p:nvPr>
+            <p:ph type="body" idx="1"/>
           </p:nvPr>
         </p:nvSpPr>
         <p:spPr>
           <a:xfrm>
-            <a:off x="642335" y="3276601"/>
-            <a:ext cx="11153223" cy="976744"/>
+            <a:off x="5916706" y="3321424"/>
+            <a:ext cx="8869886" cy="1855694"/>
           </a:xfrm>
         </p:spPr>
         <p:txBody>
           <a:bodyPr>
-            <a:normAutofit/>
+            <a:noAutofit/>
           </a:bodyPr>
           <a:lstStyle/>
           <a:p>
-            <a:pPr algn="ctr"/>
-            <a:r>
-              <a:rPr lang="en-US" b="1" dirty="0" smtClean="0"/>
-              <a:t>by</a:t>
-            </a:r>
-          </a:p>
-          <a:p>
-            <a:pPr algn="ctr"/>
-            <a:r>
-              <a:rPr lang="en-US" b="1" dirty="0" smtClean="0"/>
-              <a:t>  VetriSelvan K</a:t>
-            </a:r>
-            <a:endParaRPr lang="en-US" b="1" dirty="0"/>
+            <a:r>
+              <a:rPr lang="en-US" altLang="en-US" b="1" dirty="0" smtClean="0">
+                <a:solidFill>
+                  <a:schemeClr val="bg1"/>
+                </a:solidFill>
+                <a:latin typeface="Aparajita" panose="020B0604020202020204" pitchFamily="34" charset="0"/>
+                <a:cs typeface="Aparajita" panose="020B0604020202020204" pitchFamily="34" charset="0"/>
+              </a:rPr>
+              <a:t>Demo by</a:t>
+            </a:r>
+          </a:p>
+          <a:p>
+            <a:r>
+              <a:rPr lang="en-US" altLang="en-US" sz="2400" b="1" dirty="0" smtClean="0">
+                <a:solidFill>
+                  <a:schemeClr val="bg1"/>
+                </a:solidFill>
+                <a:latin typeface="Aparajita" panose="020B0604020202020204" pitchFamily="34" charset="0"/>
+                <a:cs typeface="Aparajita" panose="020B0604020202020204" pitchFamily="34" charset="0"/>
+              </a:rPr>
+              <a:t>Vetri </a:t>
+            </a:r>
+            <a:r>
+              <a:rPr lang="en-US" altLang="en-US" sz="2400" b="1" dirty="0" err="1" smtClean="0">
+                <a:solidFill>
+                  <a:schemeClr val="bg1"/>
+                </a:solidFill>
+                <a:latin typeface="Aparajita" panose="020B0604020202020204" pitchFamily="34" charset="0"/>
+                <a:cs typeface="Aparajita" panose="020B0604020202020204" pitchFamily="34" charset="0"/>
+              </a:rPr>
+              <a:t>selvan</a:t>
+            </a:r>
+            <a:r>
+              <a:rPr lang="en-US" altLang="en-US" sz="2400" b="1" dirty="0" smtClean="0">
+                <a:solidFill>
+                  <a:schemeClr val="bg1"/>
+                </a:solidFill>
+                <a:latin typeface="Aparajita" panose="020B0604020202020204" pitchFamily="34" charset="0"/>
+                <a:cs typeface="Aparajita" panose="020B0604020202020204" pitchFamily="34" charset="0"/>
+              </a:rPr>
+              <a:t> k</a:t>
+            </a:r>
+          </a:p>
+          <a:p>
+            <a:r>
+              <a:rPr lang="en-US" altLang="en-US" sz="2400" b="1" dirty="0" smtClean="0">
+                <a:solidFill>
+                  <a:schemeClr val="bg1"/>
+                </a:solidFill>
+                <a:latin typeface="Aparajita" panose="020B0604020202020204" pitchFamily="34" charset="0"/>
+                <a:cs typeface="Aparajita" panose="020B0604020202020204" pitchFamily="34" charset="0"/>
+              </a:rPr>
+              <a:t>9791249980,9082782215</a:t>
+            </a:r>
+            <a:endParaRPr lang="en-US" altLang="en-US" sz="2400" b="1" dirty="0">
+              <a:solidFill>
+                <a:schemeClr val="bg1"/>
+              </a:solidFill>
+              <a:latin typeface="Aparajita" panose="020B0604020202020204" pitchFamily="34" charset="0"/>
+              <a:cs typeface="Aparajita" panose="020B0604020202020204" pitchFamily="34" charset="0"/>
+            </a:endParaRPr>
+          </a:p>
+          <a:p>
+            <a:endParaRPr lang="es-ES" altLang="en-US" sz="2400" b="1" dirty="0">
+              <a:solidFill>
+                <a:schemeClr val="tx2">
+                  <a:lumMod val="50000"/>
+                </a:schemeClr>
+              </a:solidFill>
+            </a:endParaRPr>
+          </a:p>
+          <a:p>
+            <a:endParaRPr lang="en-US" sz="2400" dirty="0">
+              <a:solidFill>
+                <a:schemeClr val="tx2">
+                  <a:lumMod val="50000"/>
+                </a:schemeClr>
+              </a:solidFill>
+            </a:endParaRPr>
           </a:p>
         </p:txBody>
       </p:sp>
     </p:spTree>
     <p:extLst>
       <p:ext uri="{BB962C8B-B14F-4D97-AF65-F5344CB8AC3E}">
-        <p14:creationId xmlns:p14="http://schemas.microsoft.com/office/powerpoint/2010/main" val="4088997735"/>
+        <p14:creationId xmlns:p14="http://schemas.microsoft.com/office/powerpoint/2010/main" val="2439069917"/>
       </p:ext>
     </p:extLst>
   </p:cSld>
   <p:clrMapOvr>
     <a:masterClrMapping/>
   </p:clrMapOvr>
+  <p:timing>
+    <p:tnLst>
+      <p:par>
+        <p:cTn id="1" dur="indefinite" restart="never" nodeType="tmRoot"/>
+      </p:par>
+    </p:tnLst>
+  </p:timing>
+</p:sld>
+</file>
+
+<file path=ppt/slides/slide10.xml><?xml version="1.0" encoding="utf-8"?>
+<p:sld xmlns:a="http://schemas.openxmlformats.org/drawingml/2006/main" xmlns:r="http://schemas.openxmlformats.org/officeDocument/2006/relationships" xmlns:p="http://schemas.openxmlformats.org/presentationml/2006/main">
+  <p:cSld>
+    <p:spTree>
+      <p:nvGrpSpPr>
+        <p:cNvPr id="1" name=""/>
+        <p:cNvGrpSpPr/>
+        <p:nvPr/>
+      </p:nvGrpSpPr>
+      <p:grpSpPr>
+        <a:xfrm>
+          <a:off x="0" y="0"/>
+          <a:ext cx="0" cy="0"/>
+          <a:chOff x="0" y="0"/>
+          <a:chExt cx="0" cy="0"/>
+        </a:xfrm>
+      </p:grpSpPr>
+      <p:sp>
+        <p:nvSpPr>
+          <p:cNvPr id="2" name="Title 1"/>
+          <p:cNvSpPr>
+            <a:spLocks noGrp="1"/>
+          </p:cNvSpPr>
+          <p:nvPr>
+            <p:ph type="title"/>
+          </p:nvPr>
+        </p:nvSpPr>
+        <p:spPr/>
+        <p:txBody>
+          <a:bodyPr/>
+          <a:lstStyle/>
+          <a:p>
+            <a:r>
+              <a:rPr lang="en-US" dirty="0" smtClean="0"/>
+              <a:t>Agenda for Main course</a:t>
+            </a:r>
+            <a:endParaRPr lang="en-US" dirty="0"/>
+          </a:p>
+        </p:txBody>
+      </p:sp>
+      <p:sp>
+        <p:nvSpPr>
+          <p:cNvPr id="3" name="Content Placeholder 2"/>
+          <p:cNvSpPr>
+            <a:spLocks noGrp="1"/>
+          </p:cNvSpPr>
+          <p:nvPr>
+            <p:ph idx="1"/>
+          </p:nvPr>
+        </p:nvSpPr>
+        <p:spPr/>
+        <p:txBody>
+          <a:bodyPr/>
+          <a:lstStyle/>
+          <a:p>
+            <a:r>
+              <a:rPr lang="en-US" dirty="0"/>
+              <a:t>Introduction to </a:t>
+            </a:r>
+            <a:r>
+              <a:rPr lang="en-US" dirty="0" smtClean="0"/>
+              <a:t>DevOps</a:t>
+            </a:r>
+            <a:endParaRPr lang="en-US" dirty="0"/>
+          </a:p>
+          <a:p>
+            <a:r>
+              <a:rPr lang="en-US" dirty="0"/>
+              <a:t>GIT – A version control </a:t>
+            </a:r>
+            <a:r>
+              <a:rPr lang="en-US" dirty="0" smtClean="0"/>
+              <a:t>tool</a:t>
+            </a:r>
+            <a:endParaRPr lang="en-US" dirty="0"/>
+          </a:p>
+          <a:p>
+            <a:r>
+              <a:rPr lang="fr-FR" dirty="0"/>
+              <a:t>Jenkins – </a:t>
+            </a:r>
+            <a:r>
+              <a:rPr lang="fr-FR" dirty="0" err="1"/>
+              <a:t>Continuous</a:t>
+            </a:r>
+            <a:r>
+              <a:rPr lang="fr-FR" dirty="0"/>
+              <a:t> </a:t>
+            </a:r>
+            <a:r>
+              <a:rPr lang="fr-FR" dirty="0" err="1" smtClean="0"/>
+              <a:t>integration</a:t>
+            </a:r>
+            <a:endParaRPr lang="fr-FR" dirty="0"/>
+          </a:p>
+          <a:p>
+            <a:r>
+              <a:rPr lang="en-US" dirty="0"/>
+              <a:t>Docker – A containerization </a:t>
+            </a:r>
+            <a:r>
+              <a:rPr lang="en-US" dirty="0" smtClean="0"/>
+              <a:t>technology</a:t>
+            </a:r>
+            <a:endParaRPr lang="en-US" dirty="0"/>
+          </a:p>
+          <a:p>
+            <a:r>
+              <a:rPr lang="fr-FR" dirty="0" err="1"/>
+              <a:t>Ansible</a:t>
+            </a:r>
+            <a:r>
+              <a:rPr lang="fr-FR" dirty="0"/>
+              <a:t> – A configuration Management </a:t>
+            </a:r>
+            <a:endParaRPr lang="fr-FR" dirty="0" smtClean="0"/>
+          </a:p>
+          <a:p>
+            <a:r>
+              <a:rPr lang="en-US" dirty="0" smtClean="0"/>
+              <a:t>AWS-DevOps </a:t>
+            </a:r>
+            <a:r>
+              <a:rPr lang="en-US" dirty="0"/>
+              <a:t>on Cloud</a:t>
+            </a:r>
+          </a:p>
+          <a:p>
+            <a:endParaRPr lang="en-US" dirty="0"/>
+          </a:p>
+        </p:txBody>
+      </p:sp>
+    </p:spTree>
+    <p:extLst>
+      <p:ext uri="{BB962C8B-B14F-4D97-AF65-F5344CB8AC3E}">
+        <p14:creationId xmlns:p14="http://schemas.microsoft.com/office/powerpoint/2010/main" val="1563052240"/>
+      </p:ext>
+    </p:extLst>
+  </p:cSld>
+  <p:clrMapOvr>
+    <a:masterClrMapping/>
+  </p:clrMapOvr>
+  <p:transition spd="med">
+    <p:pull/>
+  </p:transition>
+  <p:timing>
+    <p:tnLst>
+      <p:par>
+        <p:cTn id="1" dur="indefinite" restart="never" nodeType="tmRoot"/>
+      </p:par>
+    </p:tnLst>
+  </p:timing>
+</p:sld>
+</file>
+
+<file path=ppt/slides/slide11.xml><?xml version="1.0" encoding="utf-8"?>
+<p:sld xmlns:a="http://schemas.openxmlformats.org/drawingml/2006/main" xmlns:r="http://schemas.openxmlformats.org/officeDocument/2006/relationships" xmlns:p="http://schemas.openxmlformats.org/presentationml/2006/main">
+  <p:cSld>
+    <p:spTree>
+      <p:nvGrpSpPr>
+        <p:cNvPr id="1" name=""/>
+        <p:cNvGrpSpPr/>
+        <p:nvPr/>
+      </p:nvGrpSpPr>
+      <p:grpSpPr>
+        <a:xfrm>
+          <a:off x="0" y="0"/>
+          <a:ext cx="0" cy="0"/>
+          <a:chOff x="0" y="0"/>
+          <a:chExt cx="0" cy="0"/>
+        </a:xfrm>
+      </p:grpSpPr>
+      <p:pic>
+        <p:nvPicPr>
+          <p:cNvPr id="7" name="Picture 6" descr="A picture containing person, indoor, table&#10;&#10;Description automatically generated">
+            <a:extLst>
+              <a:ext uri="{FF2B5EF4-FFF2-40B4-BE49-F238E27FC236}">
+                <a16:creationId xmlns:a16="http://schemas.microsoft.com/office/drawing/2014/main" id="{3B2C183E-F3F4-4C4C-BE91-8380A2C67B47}"/>
+              </a:ext>
+            </a:extLst>
+          </p:cNvPr>
+          <p:cNvPicPr>
+            <a:picLocks noChangeAspect="1"/>
+          </p:cNvPicPr>
+          <p:nvPr/>
+        </p:nvPicPr>
+        <p:blipFill rotWithShape="1">
+          <a:blip r:embed="rId2"/>
+          <a:srcRect t="7813" b="7813"/>
+          <a:stretch/>
+        </p:blipFill>
+        <p:spPr>
+          <a:xfrm flipH="1">
+            <a:off x="-1" y="0"/>
+            <a:ext cx="12192000" cy="6858000"/>
+          </a:xfrm>
+          <a:prstGeom prst="rect">
+            <a:avLst/>
+          </a:prstGeom>
+          <a:effectLst/>
+        </p:spPr>
+      </p:pic>
+      <p:sp>
+        <p:nvSpPr>
+          <p:cNvPr id="5" name="Triangle 4">
+            <a:extLst>
+              <a:ext uri="{FF2B5EF4-FFF2-40B4-BE49-F238E27FC236}">
+                <a16:creationId xmlns:a16="http://schemas.microsoft.com/office/drawing/2014/main" id="{119B60A4-920B-FC4F-A088-2E0D0AE64FAD}"/>
+              </a:ext>
+            </a:extLst>
+          </p:cNvPr>
+          <p:cNvSpPr/>
+          <p:nvPr/>
+        </p:nvSpPr>
+        <p:spPr>
+          <a:xfrm rot="10800000">
+            <a:off x="0" y="0"/>
+            <a:ext cx="6270173" cy="6451826"/>
+          </a:xfrm>
+          <a:prstGeom prst="triangle">
+            <a:avLst>
+              <a:gd name="adj" fmla="val 100000"/>
+            </a:avLst>
+          </a:prstGeom>
+          <a:gradFill flip="none" rotWithShape="1">
+            <a:gsLst>
+              <a:gs pos="0">
+                <a:schemeClr val="accent5">
+                  <a:alpha val="86000"/>
+                </a:schemeClr>
+              </a:gs>
+              <a:gs pos="100000">
+                <a:schemeClr val="accent4"/>
+              </a:gs>
+            </a:gsLst>
+            <a:lin ang="16200000" scaled="1"/>
+            <a:tileRect/>
+          </a:gradFill>
+          <a:ln w="34925">
+            <a:noFill/>
+          </a:ln>
+        </p:spPr>
+        <p:style>
+          <a:lnRef idx="2">
+            <a:schemeClr val="accent1">
+              <a:shade val="50000"/>
+            </a:schemeClr>
+          </a:lnRef>
+          <a:fillRef idx="1">
+            <a:schemeClr val="accent1"/>
+          </a:fillRef>
+          <a:effectRef idx="0">
+            <a:schemeClr val="accent1"/>
+          </a:effectRef>
+          <a:fontRef idx="minor">
+            <a:schemeClr val="lt1"/>
+          </a:fontRef>
+        </p:style>
+        <p:txBody>
+          <a:bodyPr rtlCol="0" anchor="ctr"/>
+          <a:lstStyle/>
+          <a:p>
+            <a:pPr algn="ctr"/>
+            <a:endParaRPr lang="en-US" dirty="0">
+              <a:latin typeface="Roboto Light" panose="02000000000000000000" pitchFamily="2" charset="0"/>
+              <a:ea typeface="Roboto Light" panose="02000000000000000000" pitchFamily="2" charset="0"/>
+            </a:endParaRPr>
+          </a:p>
+        </p:txBody>
+      </p:sp>
+      <p:sp>
+        <p:nvSpPr>
+          <p:cNvPr id="2" name="Title 1">
+            <a:extLst>
+              <a:ext uri="{FF2B5EF4-FFF2-40B4-BE49-F238E27FC236}">
+                <a16:creationId xmlns:a16="http://schemas.microsoft.com/office/drawing/2014/main" id="{5899067E-4005-1245-86E7-2BC5C0B2B5FC}"/>
+              </a:ext>
+            </a:extLst>
+          </p:cNvPr>
+          <p:cNvSpPr>
+            <a:spLocks noGrp="1"/>
+          </p:cNvSpPr>
+          <p:nvPr>
+            <p:ph type="title"/>
+          </p:nvPr>
+        </p:nvSpPr>
+        <p:spPr>
+          <a:xfrm>
+            <a:off x="-104505" y="0"/>
+            <a:ext cx="5146768" cy="5029200"/>
+          </a:xfrm>
+        </p:spPr>
+        <p:txBody>
+          <a:bodyPr>
+            <a:noAutofit/>
+          </a:bodyPr>
+          <a:lstStyle/>
+          <a:p>
+            <a:pPr>
+              <a:lnSpc>
+                <a:spcPct val="70000"/>
+              </a:lnSpc>
+            </a:pPr>
+            <a:r>
+              <a:rPr lang="en-US" sz="5400" dirty="0" smtClean="0">
+                <a:solidFill>
+                  <a:schemeClr val="lt1"/>
+                </a:solidFill>
+                <a:latin typeface="Crimson Pro ExtraLight" pitchFamily="2" charset="77"/>
+                <a:ea typeface="+mn-ea"/>
+                <a:cs typeface="+mn-cs"/>
+              </a:rPr>
+              <a:t/>
+            </a:r>
+            <a:br>
+              <a:rPr lang="en-US" sz="5400" dirty="0" smtClean="0">
+                <a:solidFill>
+                  <a:schemeClr val="lt1"/>
+                </a:solidFill>
+                <a:latin typeface="Crimson Pro ExtraLight" pitchFamily="2" charset="77"/>
+                <a:ea typeface="+mn-ea"/>
+                <a:cs typeface="+mn-cs"/>
+              </a:rPr>
+            </a:br>
+            <a:r>
+              <a:rPr lang="en-US" sz="5400" dirty="0">
+                <a:solidFill>
+                  <a:schemeClr val="lt1"/>
+                </a:solidFill>
+                <a:latin typeface="Crimson Pro ExtraLight" pitchFamily="2" charset="77"/>
+                <a:ea typeface="+mn-ea"/>
+                <a:cs typeface="+mn-cs"/>
+              </a:rPr>
+              <a:t/>
+            </a:r>
+            <a:br>
+              <a:rPr lang="en-US" sz="5400" dirty="0">
+                <a:solidFill>
+                  <a:schemeClr val="lt1"/>
+                </a:solidFill>
+                <a:latin typeface="Crimson Pro ExtraLight" pitchFamily="2" charset="77"/>
+                <a:ea typeface="+mn-ea"/>
+                <a:cs typeface="+mn-cs"/>
+              </a:rPr>
+            </a:br>
+            <a:r>
+              <a:rPr lang="en-US" sz="5400" dirty="0" smtClean="0">
+                <a:solidFill>
+                  <a:schemeClr val="lt1"/>
+                </a:solidFill>
+                <a:latin typeface="Crimson Pro ExtraLight" pitchFamily="2" charset="77"/>
+                <a:ea typeface="+mn-ea"/>
+                <a:cs typeface="+mn-cs"/>
+              </a:rPr>
+              <a:t>Your </a:t>
+            </a:r>
+            <a:r>
+              <a:rPr lang="en-US" sz="5400" dirty="0">
+                <a:solidFill>
+                  <a:schemeClr val="lt1"/>
+                </a:solidFill>
+                <a:latin typeface="Crimson Pro ExtraLight" pitchFamily="2" charset="77"/>
+                <a:ea typeface="+mn-ea"/>
+                <a:cs typeface="+mn-cs"/>
+              </a:rPr>
+              <a:t>Future Success may start here</a:t>
+            </a:r>
+          </a:p>
+        </p:txBody>
+      </p:sp>
+      <p:sp>
+        <p:nvSpPr>
+          <p:cNvPr id="8" name="Triangle 4">
+            <a:extLst>
+              <a:ext uri="{FF2B5EF4-FFF2-40B4-BE49-F238E27FC236}">
+                <a16:creationId xmlns:a16="http://schemas.microsoft.com/office/drawing/2014/main" id="{119B60A4-920B-FC4F-A088-2E0D0AE64FAD}"/>
+              </a:ext>
+            </a:extLst>
+          </p:cNvPr>
+          <p:cNvSpPr/>
+          <p:nvPr/>
+        </p:nvSpPr>
+        <p:spPr>
+          <a:xfrm>
+            <a:off x="5524967" y="2552278"/>
+            <a:ext cx="6736702" cy="4305722"/>
+          </a:xfrm>
+          <a:prstGeom prst="triangle">
+            <a:avLst>
+              <a:gd name="adj" fmla="val 100000"/>
+            </a:avLst>
+          </a:prstGeom>
+          <a:gradFill flip="none" rotWithShape="1">
+            <a:gsLst>
+              <a:gs pos="0">
+                <a:schemeClr val="accent5">
+                  <a:alpha val="86000"/>
+                </a:schemeClr>
+              </a:gs>
+              <a:gs pos="100000">
+                <a:schemeClr val="accent4"/>
+              </a:gs>
+            </a:gsLst>
+            <a:lin ang="16200000" scaled="1"/>
+            <a:tileRect/>
+          </a:gradFill>
+          <a:ln w="34925">
+            <a:noFill/>
+          </a:ln>
+        </p:spPr>
+        <p:style>
+          <a:lnRef idx="2">
+            <a:schemeClr val="accent1">
+              <a:shade val="50000"/>
+            </a:schemeClr>
+          </a:lnRef>
+          <a:fillRef idx="1">
+            <a:schemeClr val="accent1"/>
+          </a:fillRef>
+          <a:effectRef idx="0">
+            <a:schemeClr val="accent1"/>
+          </a:effectRef>
+          <a:fontRef idx="minor">
+            <a:schemeClr val="lt1"/>
+          </a:fontRef>
+        </p:style>
+        <p:txBody>
+          <a:bodyPr rtlCol="0" anchor="ctr"/>
+          <a:lstStyle/>
+          <a:p>
+            <a:pPr algn="ctr"/>
+            <a:r>
+              <a:rPr lang="en-US" sz="5400" dirty="0" smtClean="0">
+                <a:latin typeface="Crimson Pro ExtraLight" pitchFamily="2" charset="77"/>
+              </a:rPr>
+              <a:t>All The Best!</a:t>
+            </a:r>
+            <a:endParaRPr lang="en-US" sz="5400" dirty="0">
+              <a:latin typeface="Roboto Light" panose="02000000000000000000" pitchFamily="2" charset="0"/>
+              <a:ea typeface="Roboto Light" panose="02000000000000000000" pitchFamily="2" charset="0"/>
+            </a:endParaRPr>
+          </a:p>
+        </p:txBody>
+      </p:sp>
+    </p:spTree>
+    <p:extLst>
+      <p:ext uri="{BB962C8B-B14F-4D97-AF65-F5344CB8AC3E}">
+        <p14:creationId xmlns:p14="http://schemas.microsoft.com/office/powerpoint/2010/main" val="991081608"/>
+      </p:ext>
+    </p:extLst>
+  </p:cSld>
+  <p:clrMapOvr>
+    <a:masterClrMapping/>
+  </p:clrMapOvr>
+  <mc:AlternateContent xmlns:mc="http://schemas.openxmlformats.org/markup-compatibility/2006">
+    <mc:Choice xmlns:p14="http://schemas.microsoft.com/office/powerpoint/2010/main" Requires="p14">
+      <p:transition spd="slow" p14:dur="2500">
+        <p14:flythrough/>
+      </p:transition>
+    </mc:Choice>
+    <mc:Fallback>
+      <p:transition spd="slow">
+        <p:fade/>
+      </p:transition>
+    </mc:Fallback>
+  </mc:AlternateContent>
+  <p:timing>
+    <p:tnLst>
+      <p:par>
+        <p:cTn id="1" dur="indefinite" restart="never" nodeType="tmRoot"/>
+      </p:par>
+    </p:tnLst>
+  </p:timing>
 </p:sld>
 </file>
 
@@ -6145,7 +6795,11 @@
             <a:pPr lvl="0"/>
             <a:r>
               <a:rPr lang="en-US" dirty="0"/>
-              <a:t>Brief introduction of </a:t>
+              <a:t>Brief introduction </a:t>
+            </a:r>
+            <a:r>
+              <a:rPr lang="en-US" dirty="0" smtClean="0"/>
+              <a:t>on </a:t>
             </a:r>
             <a:r>
               <a:rPr lang="en-US" dirty="0" err="1" smtClean="0"/>
@@ -6184,19 +6838,7 @@
           <a:p>
             <a:pPr lvl="0"/>
             <a:r>
-              <a:rPr lang="en-US" dirty="0"/>
-              <a:t>How to implement </a:t>
-            </a:r>
-            <a:r>
-              <a:rPr lang="en-US" dirty="0" err="1"/>
-              <a:t>devops</a:t>
-            </a:r>
-            <a:endParaRPr lang="en-US" dirty="0"/>
-          </a:p>
-          <a:p>
-            <a:pPr lvl="0"/>
-            <a:r>
-              <a:rPr lang="en-US" dirty="0"/>
+              <a:rPr lang="en-US" dirty="0" smtClean="0"/>
               <a:t>Tools </a:t>
             </a:r>
             <a:r>
@@ -6208,8 +6850,27 @@
               <a:t>in </a:t>
             </a:r>
             <a:r>
-              <a:rPr lang="en-US" dirty="0" err="1"/>
+              <a:rPr lang="en-US" dirty="0" err="1" smtClean="0"/>
               <a:t>Devops</a:t>
+            </a:r>
+            <a:endParaRPr lang="en-US" dirty="0" smtClean="0"/>
+          </a:p>
+          <a:p>
+            <a:pPr lvl="0"/>
+            <a:r>
+              <a:rPr lang="en-US" dirty="0" smtClean="0"/>
+              <a:t>Overview of </a:t>
+            </a:r>
+            <a:r>
+              <a:rPr lang="en-US" dirty="0" smtClean="0"/>
+              <a:t>course</a:t>
+            </a:r>
+          </a:p>
+          <a:p>
+            <a:pPr lvl="0"/>
+            <a:r>
+              <a:rPr lang="en-US" dirty="0" smtClean="0"/>
+              <a:t>Agenda of main course</a:t>
             </a:r>
             <a:endParaRPr lang="en-US" dirty="0"/>
           </a:p>
@@ -6228,6 +6889,16 @@
   <p:clrMapOvr>
     <a:masterClrMapping/>
   </p:clrMapOvr>
+  <p:transition spd="med">
+    <p:pull/>
+  </p:transition>
+  <p:timing>
+    <p:tnLst>
+      <p:par>
+        <p:cTn id="1" dur="indefinite" restart="never" nodeType="tmRoot"/>
+      </p:par>
+    </p:tnLst>
+  </p:timing>
 </p:sld>
 </file>
 
@@ -6265,7 +6936,11 @@
           <a:p>
             <a:r>
               <a:rPr lang="en-US" dirty="0"/>
-              <a:t>Brief introduction of </a:t>
+              <a:t>Brief </a:t>
+            </a:r>
+            <a:r>
+              <a:rPr lang="en-US" dirty="0" smtClean="0"/>
+              <a:t>Introduction to </a:t>
             </a:r>
             <a:r>
               <a:rPr lang="en-US" dirty="0" err="1"/>
@@ -6327,24 +7002,13 @@
             </a:r>
             <a:r>
               <a:rPr lang="en-US" dirty="0" smtClean="0"/>
-              <a:t>all IT teams </a:t>
-            </a:r>
-            <a:r>
-              <a:rPr lang="en-US" dirty="0" err="1" smtClean="0"/>
-              <a:t>i.e</a:t>
+              <a:t>all IT team functions i.e., Requirement Team, software development, testing team ,Configuration Management team, </a:t>
             </a:r>
             <a:r>
               <a:rPr lang="en-US" dirty="0" smtClean="0"/>
-              <a:t> Requirement Team, software development, testing team ,</a:t>
-            </a:r>
-            <a:r>
-              <a:rPr lang="en-US" dirty="0" err="1" smtClean="0"/>
-              <a:t>Config-Mgmt</a:t>
-            </a:r>
-            <a:r>
-              <a:rPr lang="en-US" dirty="0" smtClean="0"/>
-              <a:t> team, Database team and Deployment team.</a:t>
-            </a:r>
+              <a:t>Database team, Deployment team and Monitoring team.</a:t>
+            </a:r>
+            <a:endParaRPr lang="en-US" dirty="0" smtClean="0"/>
           </a:p>
           <a:p>
             <a:r>
@@ -6353,8 +7017,13 @@
             </a:r>
             <a:r>
               <a:rPr lang="en-US" dirty="0" smtClean="0"/>
-              <a:t>is a single unit which is whole and sole responsibility of a software from development till deployment.</a:t>
-            </a:r>
+              <a:t>is a single unit/person who/which is sole responsibility of a software from development till deployment.</a:t>
+            </a:r>
+          </a:p>
+          <a:p>
+            <a:pPr marL="0" indent="0">
+              <a:buNone/>
+            </a:pPr>
             <a:endParaRPr lang="en-US" dirty="0"/>
           </a:p>
         </p:txBody>
@@ -6369,6 +7038,16 @@
   <p:clrMapOvr>
     <a:masterClrMapping/>
   </p:clrMapOvr>
+  <p:transition spd="med">
+    <p:pull/>
+  </p:transition>
+  <p:timing>
+    <p:tnLst>
+      <p:par>
+        <p:cTn id="1" dur="indefinite" restart="never" nodeType="tmRoot"/>
+      </p:par>
+    </p:tnLst>
+  </p:timing>
 </p:sld>
 </file>
 
@@ -6405,167 +7084,73 @@
           <a:lstStyle/>
           <a:p>
             <a:r>
-              <a:rPr lang="en-US" sz="3200" dirty="0"/>
+              <a:rPr lang="en-US" dirty="0"/>
               <a:t>CICD-A key Element in  </a:t>
             </a:r>
             <a:r>
-              <a:rPr lang="en-US" sz="3200" dirty="0" err="1"/>
+              <a:rPr lang="en-US" dirty="0" err="1"/>
               <a:t>Devops</a:t>
             </a:r>
             <a:r>
-              <a:rPr lang="en-US" sz="3200" dirty="0"/>
+              <a:rPr lang="en-US" dirty="0"/>
               <a:t/>
             </a:r>
             <a:br>
-              <a:rPr lang="en-US" sz="3200" dirty="0"/>
+              <a:rPr lang="en-US" dirty="0"/>
             </a:br>
-            <a:r>
-              <a:rPr lang="en-US" sz="2400" dirty="0" smtClean="0"/>
-              <a:t>(Continuous Integration and Continuous Delivery)</a:t>
-            </a:r>
-            <a:endParaRPr lang="en-US" sz="2400" dirty="0"/>
-          </a:p>
-        </p:txBody>
-      </p:sp>
-      <p:sp>
-        <p:nvSpPr>
-          <p:cNvPr id="3" name="Content Placeholder 2"/>
-          <p:cNvSpPr>
-            <a:spLocks noGrp="1"/>
-          </p:cNvSpPr>
+            <a:endParaRPr lang="en-US" dirty="0"/>
+          </a:p>
+        </p:txBody>
+      </p:sp>
+      <p:pic>
+        <p:nvPicPr>
+          <p:cNvPr id="8" name="Content Placeholder 7"/>
+          <p:cNvPicPr>
+            <a:picLocks noGrp="1" noChangeAspect="1"/>
+          </p:cNvPicPr>
           <p:nvPr>
             <p:ph idx="1"/>
           </p:nvPr>
-        </p:nvSpPr>
+        </p:nvPicPr>
+        <p:blipFill>
+          <a:blip r:embed="rId2">
+            <a:extLst>
+              <a:ext uri="{28A0092B-C50C-407E-A947-70E740481C1C}">
+                <a14:useLocalDpi xmlns:a14="http://schemas.microsoft.com/office/drawing/2010/main" val="0"/>
+              </a:ext>
+            </a:extLst>
+          </a:blip>
+          <a:stretch>
+            <a:fillRect/>
+          </a:stretch>
+        </p:blipFill>
         <p:spPr>
           <a:xfrm>
-            <a:off x="875201" y="1664991"/>
-            <a:ext cx="8946541" cy="4195481"/>
+            <a:off x="444138" y="1436914"/>
+            <a:ext cx="10894423" cy="4824549"/>
           </a:xfrm>
         </p:spPr>
-        <p:txBody>
-          <a:bodyPr>
-            <a:normAutofit/>
-          </a:bodyPr>
-          <a:lstStyle/>
-          <a:p>
-            <a:r>
-              <a:rPr lang="en-US" dirty="0" smtClean="0"/>
-              <a:t>CI-CD-Continuous Integration and Continues delivery</a:t>
-            </a:r>
-          </a:p>
-          <a:p>
-            <a:r>
-              <a:rPr lang="en-US" dirty="0" smtClean="0"/>
-              <a:t>Continuous Integration</a:t>
-            </a:r>
-          </a:p>
-          <a:p>
-            <a:pPr lvl="1"/>
-            <a:r>
-              <a:rPr lang="en-US" dirty="0" smtClean="0"/>
-              <a:t>Developers code integrated to one base line to avoid Integration issues</a:t>
-            </a:r>
-          </a:p>
-          <a:p>
-            <a:pPr lvl="1"/>
-            <a:r>
-              <a:rPr lang="en-US" dirty="0" smtClean="0"/>
-              <a:t>Automated Build trigger post every commit</a:t>
-            </a:r>
-          </a:p>
-          <a:p>
-            <a:pPr lvl="1"/>
-            <a:r>
-              <a:rPr lang="en-US" dirty="0" smtClean="0"/>
-              <a:t>Automated testing the build and publishing the test results.</a:t>
-            </a:r>
-          </a:p>
-          <a:p>
-            <a:pPr lvl="1"/>
-            <a:r>
-              <a:rPr lang="en-US" sz="2000" dirty="0" smtClean="0"/>
-              <a:t>As </a:t>
-            </a:r>
-            <a:r>
-              <a:rPr lang="en-US" sz="2000" dirty="0"/>
-              <a:t>a result a </a:t>
-            </a:r>
-            <a:r>
-              <a:rPr lang="en-US" sz="2000" b="1" u="sng" dirty="0"/>
-              <a:t>test-driven-development</a:t>
-            </a:r>
-            <a:r>
-              <a:rPr lang="en-US" sz="2000" dirty="0"/>
-              <a:t> </a:t>
-            </a:r>
-            <a:r>
-              <a:rPr lang="en-US" sz="2000" dirty="0"/>
-              <a:t>is </a:t>
-            </a:r>
-            <a:r>
-              <a:rPr lang="en-US" sz="2000" dirty="0" smtClean="0"/>
-              <a:t>achieved</a:t>
-            </a:r>
-          </a:p>
-          <a:p>
-            <a:r>
-              <a:rPr lang="en-US" dirty="0"/>
-              <a:t>Continuous Delivery</a:t>
-            </a:r>
-          </a:p>
-          <a:p>
-            <a:pPr lvl="1"/>
-            <a:r>
-              <a:rPr lang="en-US" dirty="0" smtClean="0"/>
-              <a:t>Software is taken to higher environments with manual checkpoints</a:t>
-            </a:r>
-            <a:endParaRPr lang="en-US" dirty="0"/>
-          </a:p>
-          <a:p>
-            <a:pPr marL="457200" lvl="1" indent="0">
-              <a:buNone/>
-            </a:pPr>
-            <a:endParaRPr lang="en-US" sz="2000" dirty="0" smtClean="0"/>
-          </a:p>
-          <a:p>
-            <a:pPr lvl="1"/>
-            <a:endParaRPr lang="en-US" sz="2000" dirty="0"/>
-          </a:p>
-          <a:p>
-            <a:pPr marL="457200" lvl="1" indent="0">
-              <a:buNone/>
-            </a:pPr>
-            <a:endParaRPr lang="en-US" sz="2000" dirty="0" smtClean="0"/>
-          </a:p>
-          <a:p>
-            <a:pPr marL="457200" lvl="1" indent="0">
-              <a:buNone/>
-            </a:pPr>
-            <a:endParaRPr lang="en-US" sz="2000" dirty="0" smtClean="0"/>
-          </a:p>
-          <a:p>
-            <a:pPr marL="457200" lvl="1" indent="0">
-              <a:buNone/>
-            </a:pPr>
-            <a:endParaRPr lang="en-US" sz="2000" dirty="0"/>
-          </a:p>
-          <a:p>
-            <a:pPr lvl="1"/>
-            <a:endParaRPr lang="en-US" dirty="0"/>
-          </a:p>
-        </p:txBody>
-      </p:sp>
+      </p:pic>
     </p:spTree>
     <p:extLst>
       <p:ext uri="{BB962C8B-B14F-4D97-AF65-F5344CB8AC3E}">
-        <p14:creationId xmlns:p14="http://schemas.microsoft.com/office/powerpoint/2010/main" val="2994291302"/>
+        <p14:creationId xmlns:p14="http://schemas.microsoft.com/office/powerpoint/2010/main" val="4097393093"/>
       </p:ext>
     </p:extLst>
   </p:cSld>
   <p:clrMapOvr>
     <a:masterClrMapping/>
   </p:clrMapOvr>
+  <p:transition spd="med">
+    <p:pull/>
+  </p:transition>
+  <p:timing>
+    <p:tnLst>
+      <p:par>
+        <p:cTn id="1" dur="indefinite" restart="never" nodeType="tmRoot"/>
+      </p:par>
+    </p:tnLst>
+  </p:timing>
 </p:sld>
 </file>
 
@@ -6596,79 +7181,155 @@
             <p:ph type="title"/>
           </p:nvPr>
         </p:nvSpPr>
+        <p:spPr/>
+        <p:txBody>
+          <a:bodyPr/>
+          <a:lstStyle/>
+          <a:p>
+            <a:r>
+              <a:rPr lang="en-US" sz="3200" dirty="0"/>
+              <a:t>CICD-A key Element in  </a:t>
+            </a:r>
+            <a:r>
+              <a:rPr lang="en-US" sz="3200" dirty="0" err="1"/>
+              <a:t>Devops</a:t>
+            </a:r>
+            <a:r>
+              <a:rPr lang="en-US" sz="3200" dirty="0"/>
+              <a:t/>
+            </a:r>
+            <a:br>
+              <a:rPr lang="en-US" sz="3200" dirty="0"/>
+            </a:br>
+            <a:r>
+              <a:rPr lang="en-US" sz="2400" dirty="0" smtClean="0"/>
+              <a:t>(Continuous Integration and Continuous Delivery)</a:t>
+            </a:r>
+            <a:endParaRPr lang="en-US" sz="2400" dirty="0"/>
+          </a:p>
+        </p:txBody>
+      </p:sp>
+      <p:sp>
+        <p:nvSpPr>
+          <p:cNvPr id="3" name="Content Placeholder 2"/>
+          <p:cNvSpPr>
+            <a:spLocks noGrp="1"/>
+          </p:cNvSpPr>
+          <p:nvPr>
+            <p:ph idx="1"/>
+          </p:nvPr>
+        </p:nvSpPr>
         <p:spPr>
           <a:xfrm>
-            <a:off x="646111" y="452718"/>
-            <a:ext cx="9404723" cy="1168264"/>
+            <a:off x="875201" y="1664991"/>
+            <a:ext cx="8946541" cy="4195481"/>
           </a:xfrm>
         </p:spPr>
         <p:txBody>
-          <a:bodyPr/>
+          <a:bodyPr>
+            <a:normAutofit/>
+          </a:bodyPr>
           <a:lstStyle/>
           <a:p>
             <a:r>
+              <a:rPr lang="en-US" dirty="0" smtClean="0"/>
+              <a:t>CI-CD-Continuous Integration and Continues delivery</a:t>
+            </a:r>
+          </a:p>
+          <a:p>
+            <a:r>
+              <a:rPr lang="en-US" dirty="0" smtClean="0"/>
+              <a:t>Continuous Integration</a:t>
+            </a:r>
+          </a:p>
+          <a:p>
+            <a:pPr lvl="1"/>
+            <a:r>
+              <a:rPr lang="en-US" dirty="0" smtClean="0"/>
+              <a:t>Developers code integrated to one base line to avoid Integration issues</a:t>
+            </a:r>
+          </a:p>
+          <a:p>
+            <a:pPr lvl="1"/>
+            <a:r>
+              <a:rPr lang="en-US" dirty="0" smtClean="0"/>
+              <a:t>Automated Build trigger post every commit</a:t>
+            </a:r>
+          </a:p>
+          <a:p>
+            <a:pPr lvl="1"/>
+            <a:r>
+              <a:rPr lang="en-US" dirty="0" smtClean="0"/>
+              <a:t>Automated testing the build and publishing the test results.</a:t>
+            </a:r>
+          </a:p>
+          <a:p>
+            <a:pPr lvl="1"/>
+            <a:r>
+              <a:rPr lang="en-US" sz="2000" dirty="0" smtClean="0"/>
+              <a:t>As </a:t>
+            </a:r>
+            <a:r>
+              <a:rPr lang="en-US" sz="2000" dirty="0"/>
+              <a:t>a result a </a:t>
+            </a:r>
+            <a:r>
+              <a:rPr lang="en-US" sz="2000" b="1" u="sng" dirty="0"/>
+              <a:t>test-driven-development</a:t>
+            </a:r>
+            <a:r>
+              <a:rPr lang="en-US" sz="2000" dirty="0"/>
+              <a:t> is </a:t>
+            </a:r>
+            <a:r>
+              <a:rPr lang="en-US" sz="2000" dirty="0" smtClean="0"/>
+              <a:t>achieved</a:t>
+            </a:r>
+          </a:p>
+          <a:p>
+            <a:r>
               <a:rPr lang="en-US" dirty="0"/>
-              <a:t>Why </a:t>
-            </a:r>
-            <a:r>
-              <a:rPr lang="en-US" dirty="0" err="1" smtClean="0"/>
-              <a:t>Devops</a:t>
-            </a:r>
+              <a:t>Continuous Delivery</a:t>
+            </a:r>
+          </a:p>
+          <a:p>
+            <a:pPr lvl="1"/>
             <a:r>
               <a:rPr lang="en-US" dirty="0" smtClean="0"/>
-              <a:t> is Needed</a:t>
-            </a:r>
-            <a:r>
-              <a:rPr lang="en-US" dirty="0"/>
-              <a:t/>
-            </a:r>
-            <a:br>
-              <a:rPr lang="en-US" dirty="0"/>
-            </a:br>
-            <a:endParaRPr lang="en-US" dirty="0"/>
-          </a:p>
-        </p:txBody>
-      </p:sp>
-      <p:sp>
-        <p:nvSpPr>
-          <p:cNvPr id="3" name="Content Placeholder 2"/>
-          <p:cNvSpPr>
-            <a:spLocks noGrp="1"/>
-          </p:cNvSpPr>
-          <p:nvPr>
-            <p:ph idx="1"/>
-          </p:nvPr>
-        </p:nvSpPr>
-        <p:spPr/>
-        <p:txBody>
-          <a:bodyPr/>
-          <a:lstStyle/>
-          <a:p>
-            <a:r>
-              <a:rPr lang="en-US" dirty="0"/>
-              <a:t>DevOps helps to increases an organization's speed to deliver applications and services. It allows organizations to serve their customers better and compete more strongly in the market.</a:t>
-            </a:r>
-          </a:p>
-          <a:p>
-            <a:r>
-              <a:rPr lang="en-US" dirty="0"/>
-              <a:t>In simple words, DevOps can be defined as an alignment of development and IT operations with better communication and collaboration</a:t>
-            </a:r>
-            <a:r>
-              <a:rPr lang="en-US" dirty="0" smtClean="0"/>
-              <a:t>.</a:t>
-            </a:r>
-          </a:p>
-          <a:p>
-            <a:r>
-              <a:rPr lang="en-US" dirty="0"/>
-              <a:t>ensuring that the software can be reliably released at any time and, when releasing the software, doing so manually. It aims at building, testing, and releasing software with greater speed and frequency.</a:t>
-            </a:r>
-          </a:p>
-          <a:p>
-            <a:endParaRPr lang="en-US" dirty="0"/>
-          </a:p>
-          <a:p>
+              <a:t>Software is taken to higher environments with manual checkpoints</a:t>
+            </a:r>
+            <a:endParaRPr lang="en-US" dirty="0"/>
+          </a:p>
+          <a:p>
+            <a:pPr marL="457200" lvl="1" indent="0">
+              <a:buNone/>
+            </a:pPr>
+            <a:endParaRPr lang="en-US" sz="2000" dirty="0" smtClean="0"/>
+          </a:p>
+          <a:p>
+            <a:pPr lvl="1"/>
+            <a:endParaRPr lang="en-US" sz="2000" dirty="0"/>
+          </a:p>
+          <a:p>
+            <a:pPr marL="457200" lvl="1" indent="0">
+              <a:buNone/>
+            </a:pPr>
+            <a:endParaRPr lang="en-US" sz="2000" dirty="0" smtClean="0"/>
+          </a:p>
+          <a:p>
+            <a:pPr marL="457200" lvl="1" indent="0">
+              <a:buNone/>
+            </a:pPr>
+            <a:endParaRPr lang="en-US" sz="2000" dirty="0" smtClean="0"/>
+          </a:p>
+          <a:p>
+            <a:pPr marL="457200" lvl="1" indent="0">
+              <a:buNone/>
+            </a:pPr>
+            <a:endParaRPr lang="en-US" sz="2000" dirty="0"/>
+          </a:p>
+          <a:p>
+            <a:pPr lvl="1"/>
             <a:endParaRPr lang="en-US" dirty="0"/>
           </a:p>
         </p:txBody>
@@ -6676,13 +7337,23 @@
     </p:spTree>
     <p:extLst>
       <p:ext uri="{BB962C8B-B14F-4D97-AF65-F5344CB8AC3E}">
-        <p14:creationId xmlns:p14="http://schemas.microsoft.com/office/powerpoint/2010/main" val="2740527326"/>
+        <p14:creationId xmlns:p14="http://schemas.microsoft.com/office/powerpoint/2010/main" val="2994291302"/>
       </p:ext>
     </p:extLst>
   </p:cSld>
   <p:clrMapOvr>
     <a:masterClrMapping/>
   </p:clrMapOvr>
+  <p:transition spd="med">
+    <p:pull/>
+  </p:transition>
+  <p:timing>
+    <p:tnLst>
+      <p:par>
+        <p:cTn id="1" dur="indefinite" restart="never" nodeType="tmRoot"/>
+      </p:par>
+    </p:tnLst>
+  </p:timing>
 </p:sld>
 </file>
 
@@ -6713,18 +7384,168 @@
             <p:ph type="title"/>
           </p:nvPr>
         </p:nvSpPr>
-        <p:spPr/>
+        <p:spPr>
+          <a:xfrm>
+            <a:off x="646111" y="452718"/>
+            <a:ext cx="9404723" cy="1168264"/>
+          </a:xfrm>
+        </p:spPr>
         <p:txBody>
           <a:bodyPr/>
           <a:lstStyle/>
           <a:p>
-            <a:endParaRPr lang="en-US"/>
+            <a:r>
+              <a:rPr lang="en-US" dirty="0"/>
+              <a:t>Why </a:t>
+            </a:r>
+            <a:r>
+              <a:rPr lang="en-US" dirty="0" err="1" smtClean="0"/>
+              <a:t>Devops</a:t>
+            </a:r>
+            <a:r>
+              <a:rPr lang="en-US" dirty="0" smtClean="0"/>
+              <a:t> is Needed</a:t>
+            </a:r>
+            <a:r>
+              <a:rPr lang="en-US" dirty="0"/>
+              <a:t/>
+            </a:r>
+            <a:br>
+              <a:rPr lang="en-US" dirty="0"/>
+            </a:br>
+            <a:endParaRPr lang="en-US" dirty="0"/>
+          </a:p>
+        </p:txBody>
+      </p:sp>
+      <p:sp>
+        <p:nvSpPr>
+          <p:cNvPr id="3" name="Content Placeholder 2"/>
+          <p:cNvSpPr>
+            <a:spLocks noGrp="1"/>
+          </p:cNvSpPr>
+          <p:nvPr>
+            <p:ph idx="1"/>
+          </p:nvPr>
+        </p:nvSpPr>
+        <p:spPr/>
+        <p:txBody>
+          <a:bodyPr/>
+          <a:lstStyle/>
+          <a:p>
+            <a:r>
+              <a:rPr lang="en-US" dirty="0" smtClean="0"/>
+              <a:t>Immediate test results post each and every check-in for a </a:t>
+            </a:r>
+            <a:r>
+              <a:rPr lang="en-US" dirty="0"/>
+              <a:t>test-driven development and Avoids manual human error</a:t>
+            </a:r>
+          </a:p>
+          <a:p>
+            <a:r>
+              <a:rPr lang="en-US" dirty="0" smtClean="0"/>
+              <a:t>Increases </a:t>
+            </a:r>
+            <a:r>
+              <a:rPr lang="en-US" dirty="0"/>
+              <a:t>an organization's speed to deliver applications and services. It allows organizations to serve their customers better and compete more strongly in the market.</a:t>
+            </a:r>
+          </a:p>
+          <a:p>
+            <a:r>
+              <a:rPr lang="en-US" dirty="0" smtClean="0"/>
+              <a:t>ensuring </a:t>
+            </a:r>
+            <a:r>
+              <a:rPr lang="en-US" dirty="0"/>
+              <a:t>that the software can be reliably released at any time and, when releasing the software, doing so manually. It aims at building, testing, and releasing software with greater speed and frequency.</a:t>
+            </a:r>
+          </a:p>
+          <a:p>
+            <a:endParaRPr lang="en-US" dirty="0"/>
+          </a:p>
+          <a:p>
+            <a:endParaRPr lang="en-US" dirty="0"/>
+          </a:p>
+        </p:txBody>
+      </p:sp>
+    </p:spTree>
+    <p:extLst>
+      <p:ext uri="{BB962C8B-B14F-4D97-AF65-F5344CB8AC3E}">
+        <p14:creationId xmlns:p14="http://schemas.microsoft.com/office/powerpoint/2010/main" val="2740527326"/>
+      </p:ext>
+    </p:extLst>
+  </p:cSld>
+  <p:clrMapOvr>
+    <a:masterClrMapping/>
+  </p:clrMapOvr>
+  <p:transition spd="med">
+    <p:pull/>
+  </p:transition>
+  <p:timing>
+    <p:tnLst>
+      <p:par>
+        <p:cTn id="1" dur="indefinite" restart="never" nodeType="tmRoot"/>
+      </p:par>
+    </p:tnLst>
+  </p:timing>
+</p:sld>
+</file>
+
+<file path=ppt/slides/slide7.xml><?xml version="1.0" encoding="utf-8"?>
+<p:sld xmlns:a="http://schemas.openxmlformats.org/drawingml/2006/main" xmlns:r="http://schemas.openxmlformats.org/officeDocument/2006/relationships" xmlns:p="http://schemas.openxmlformats.org/presentationml/2006/main">
+  <p:cSld>
+    <p:spTree>
+      <p:nvGrpSpPr>
+        <p:cNvPr id="1" name=""/>
+        <p:cNvGrpSpPr/>
+        <p:nvPr/>
+      </p:nvGrpSpPr>
+      <p:grpSpPr>
+        <a:xfrm>
+          <a:off x="0" y="0"/>
+          <a:ext cx="0" cy="0"/>
+          <a:chOff x="0" y="0"/>
+          <a:chExt cx="0" cy="0"/>
+        </a:xfrm>
+      </p:grpSpPr>
+      <p:sp>
+        <p:nvSpPr>
+          <p:cNvPr id="2" name="Title 1"/>
+          <p:cNvSpPr>
+            <a:spLocks noGrp="1"/>
+          </p:cNvSpPr>
+          <p:nvPr>
+            <p:ph type="title"/>
+          </p:nvPr>
+        </p:nvSpPr>
+        <p:spPr/>
+        <p:txBody>
+          <a:bodyPr/>
+          <a:lstStyle/>
+          <a:p>
+            <a:r>
+              <a:rPr lang="en-US" dirty="0"/>
+              <a:t>Tools majorly used in </a:t>
+            </a:r>
+            <a:r>
+              <a:rPr lang="en-US" dirty="0" err="1"/>
+              <a:t>Devops</a:t>
+            </a:r>
+            <a:r>
+              <a:rPr lang="en-US" dirty="0"/>
+              <a:t/>
+            </a:r>
+            <a:br>
+              <a:rPr lang="en-US" dirty="0"/>
+            </a:br>
+            <a:endParaRPr lang="en-US" dirty="0"/>
           </a:p>
         </p:txBody>
       </p:sp>
       <p:pic>
         <p:nvPicPr>
-          <p:cNvPr id="4" name="Content Placeholder 3"/>
+          <p:cNvPr id="4" name="Content Placeholder 4"/>
           <p:cNvPicPr>
             <a:picLocks noGrp="1" noChangeAspect="1"/>
           </p:cNvPicPr>
@@ -6746,21 +7567,1218 @@
         </p:blipFill>
         <p:spPr>
           <a:xfrm>
-            <a:off x="2165639" y="2031639"/>
-            <a:ext cx="5468216" cy="3295650"/>
+            <a:off x="195944" y="1469934"/>
+            <a:ext cx="11834947" cy="4800237"/>
+          </a:xfrm>
+          <a:prstGeom prst="rect">
+            <a:avLst/>
+          </a:prstGeom>
+        </p:spPr>
+      </p:pic>
+    </p:spTree>
+    <p:extLst>
+      <p:ext uri="{BB962C8B-B14F-4D97-AF65-F5344CB8AC3E}">
+        <p14:creationId xmlns:p14="http://schemas.microsoft.com/office/powerpoint/2010/main" val="3169165989"/>
+      </p:ext>
+    </p:extLst>
+  </p:cSld>
+  <p:clrMapOvr>
+    <a:masterClrMapping/>
+  </p:clrMapOvr>
+  <p:transition spd="med">
+    <p:pull/>
+  </p:transition>
+  <p:timing>
+    <p:tnLst>
+      <p:par>
+        <p:cTn id="1" dur="indefinite" restart="never" nodeType="tmRoot"/>
+      </p:par>
+    </p:tnLst>
+  </p:timing>
+</p:sld>
+</file>
+
+<file path=ppt/slides/slide8.xml><?xml version="1.0" encoding="utf-8"?>
+<p:sld xmlns:a="http://schemas.openxmlformats.org/drawingml/2006/main" xmlns:r="http://schemas.openxmlformats.org/officeDocument/2006/relationships" xmlns:p="http://schemas.openxmlformats.org/presentationml/2006/main">
+  <p:cSld>
+    <p:spTree>
+      <p:nvGrpSpPr>
+        <p:cNvPr id="1" name=""/>
+        <p:cNvGrpSpPr/>
+        <p:nvPr/>
+      </p:nvGrpSpPr>
+      <p:grpSpPr>
+        <a:xfrm>
+          <a:off x="0" y="0"/>
+          <a:ext cx="0" cy="0"/>
+          <a:chOff x="0" y="0"/>
+          <a:chExt cx="0" cy="0"/>
+        </a:xfrm>
+      </p:grpSpPr>
+      <p:graphicFrame>
+        <p:nvGraphicFramePr>
+          <p:cNvPr id="13" name="Table 12"/>
+          <p:cNvGraphicFramePr>
+            <a:graphicFrameLocks noGrp="1"/>
+          </p:cNvGraphicFramePr>
+          <p:nvPr>
+            <p:extLst>
+              <p:ext uri="{D42A27DB-BD31-4B8C-83A1-F6EECF244321}">
+                <p14:modId xmlns:p14="http://schemas.microsoft.com/office/powerpoint/2010/main" val="3120502128"/>
+              </p:ext>
+            </p:extLst>
+          </p:nvPr>
+        </p:nvGraphicFramePr>
+        <p:xfrm>
+          <a:off x="379639" y="1821044"/>
+          <a:ext cx="11572875" cy="3739576"/>
+        </p:xfrm>
+        <a:graphic>
+          <a:graphicData uri="http://schemas.openxmlformats.org/drawingml/2006/table">
+            <a:tbl>
+              <a:tblPr firstRow="1" bandRow="1">
+                <a:tableStyleId>{5C22544A-7EE6-4342-B048-85BDC9FD1C3A}</a:tableStyleId>
+              </a:tblPr>
+              <a:tblGrid>
+                <a:gridCol w="1143000">
+                  <a:extLst>
+                    <a:ext uri="{9D8B030D-6E8A-4147-A177-3AD203B41FA5}">
+                      <a16:colId xmlns:a16="http://schemas.microsoft.com/office/drawing/2014/main" val="1206072135"/>
+                    </a:ext>
+                  </a:extLst>
+                </a:gridCol>
+                <a:gridCol w="2847976">
+                  <a:extLst>
+                    <a:ext uri="{9D8B030D-6E8A-4147-A177-3AD203B41FA5}">
+                      <a16:colId xmlns:a16="http://schemas.microsoft.com/office/drawing/2014/main" val="4139862403"/>
+                    </a:ext>
+                  </a:extLst>
+                </a:gridCol>
+                <a:gridCol w="1924049">
+                  <a:extLst>
+                    <a:ext uri="{9D8B030D-6E8A-4147-A177-3AD203B41FA5}">
+                      <a16:colId xmlns:a16="http://schemas.microsoft.com/office/drawing/2014/main" val="1010650866"/>
+                    </a:ext>
+                  </a:extLst>
+                </a:gridCol>
+                <a:gridCol w="1800225">
+                  <a:extLst>
+                    <a:ext uri="{9D8B030D-6E8A-4147-A177-3AD203B41FA5}">
+                      <a16:colId xmlns:a16="http://schemas.microsoft.com/office/drawing/2014/main" val="9664142"/>
+                    </a:ext>
+                  </a:extLst>
+                </a:gridCol>
+                <a:gridCol w="1328740">
+                  <a:extLst>
+                    <a:ext uri="{9D8B030D-6E8A-4147-A177-3AD203B41FA5}">
+                      <a16:colId xmlns:a16="http://schemas.microsoft.com/office/drawing/2014/main" val="1958128750"/>
+                    </a:ext>
+                  </a:extLst>
+                </a:gridCol>
+                <a:gridCol w="2528885">
+                  <a:extLst>
+                    <a:ext uri="{9D8B030D-6E8A-4147-A177-3AD203B41FA5}">
+                      <a16:colId xmlns:a16="http://schemas.microsoft.com/office/drawing/2014/main" val="653431248"/>
+                    </a:ext>
+                  </a:extLst>
+                </a:gridCol>
+              </a:tblGrid>
+              <a:tr h="971550">
+                <a:tc>
+                  <a:txBody>
+                    <a:bodyPr/>
+                    <a:lstStyle/>
+                    <a:p>
+                      <a:pPr algn="ctr"/>
+                      <a:r>
+                        <a:rPr lang="en-US" sz="1600" dirty="0" smtClean="0"/>
+                        <a:t>SI No.</a:t>
+                      </a:r>
+                      <a:endParaRPr lang="en-US" sz="1600" dirty="0"/>
+                    </a:p>
+                  </a:txBody>
+                  <a:tcPr/>
+                </a:tc>
+                <a:tc>
+                  <a:txBody>
+                    <a:bodyPr/>
+                    <a:lstStyle/>
+                    <a:p>
+                      <a:pPr marL="0" marR="0" lvl="0" indent="0" algn="ctr" defTabSz="457200" rtl="0" eaLnBrk="1" fontAlgn="auto" latinLnBrk="0" hangingPunct="1">
+                        <a:lnSpc>
+                          <a:spcPct val="100000"/>
+                        </a:lnSpc>
+                        <a:spcBef>
+                          <a:spcPts val="0"/>
+                        </a:spcBef>
+                        <a:spcAft>
+                          <a:spcPts val="0"/>
+                        </a:spcAft>
+                        <a:buClrTx/>
+                        <a:buSzTx/>
+                        <a:buFontTx/>
+                        <a:buNone/>
+                        <a:tabLst/>
+                        <a:defRPr/>
+                      </a:pPr>
+                      <a:r>
+                        <a:rPr lang="en-US" sz="1600" dirty="0" smtClean="0"/>
+                        <a:t>SCM-Version Control</a:t>
+                      </a:r>
+                    </a:p>
+                  </a:txBody>
+                  <a:tcPr/>
+                </a:tc>
+                <a:tc>
+                  <a:txBody>
+                    <a:bodyPr/>
+                    <a:lstStyle/>
+                    <a:p>
+                      <a:pPr marL="0" marR="0" lvl="0" indent="0" algn="ctr" defTabSz="457200" rtl="0" eaLnBrk="1" fontAlgn="auto" latinLnBrk="0" hangingPunct="1">
+                        <a:lnSpc>
+                          <a:spcPct val="100000"/>
+                        </a:lnSpc>
+                        <a:spcBef>
+                          <a:spcPts val="0"/>
+                        </a:spcBef>
+                        <a:spcAft>
+                          <a:spcPts val="0"/>
+                        </a:spcAft>
+                        <a:buClrTx/>
+                        <a:buSzTx/>
+                        <a:buFontTx/>
+                        <a:buNone/>
+                        <a:tabLst/>
+                        <a:defRPr/>
+                      </a:pPr>
+                      <a:r>
+                        <a:rPr lang="en-US" sz="1600" dirty="0" smtClean="0"/>
+                        <a:t>Containerization</a:t>
+                      </a:r>
+                    </a:p>
+                  </a:txBody>
+                  <a:tcPr/>
+                </a:tc>
+                <a:tc>
+                  <a:txBody>
+                    <a:bodyPr/>
+                    <a:lstStyle/>
+                    <a:p>
+                      <a:pPr marL="0" marR="0" lvl="0" indent="0" algn="ctr" defTabSz="457200" rtl="0" eaLnBrk="1" fontAlgn="auto" latinLnBrk="0" hangingPunct="1">
+                        <a:lnSpc>
+                          <a:spcPct val="100000"/>
+                        </a:lnSpc>
+                        <a:spcBef>
+                          <a:spcPts val="0"/>
+                        </a:spcBef>
+                        <a:spcAft>
+                          <a:spcPts val="0"/>
+                        </a:spcAft>
+                        <a:buClrTx/>
+                        <a:buSzTx/>
+                        <a:buFontTx/>
+                        <a:buNone/>
+                        <a:tabLst/>
+                        <a:defRPr/>
+                      </a:pPr>
+                      <a:r>
+                        <a:rPr lang="en-US" sz="1600" dirty="0" smtClean="0"/>
+                        <a:t>Configuration Management</a:t>
+                      </a:r>
+                    </a:p>
+                  </a:txBody>
+                  <a:tcPr/>
+                </a:tc>
+                <a:tc>
+                  <a:txBody>
+                    <a:bodyPr/>
+                    <a:lstStyle/>
+                    <a:p>
+                      <a:pPr algn="ctr"/>
+                      <a:r>
+                        <a:rPr lang="en-US" sz="1600" dirty="0" smtClean="0"/>
+                        <a:t>Continuous Integration</a:t>
+                      </a:r>
+                      <a:endParaRPr lang="en-US" sz="1600" dirty="0"/>
+                    </a:p>
+                  </a:txBody>
+                  <a:tcPr/>
+                </a:tc>
+                <a:tc>
+                  <a:txBody>
+                    <a:bodyPr/>
+                    <a:lstStyle/>
+                    <a:p>
+                      <a:pPr algn="ctr"/>
+                      <a:r>
+                        <a:rPr lang="en-US" dirty="0" smtClean="0"/>
+                        <a:t>CLOUD</a:t>
+                      </a:r>
+                      <a:endParaRPr lang="en-US" dirty="0"/>
+                    </a:p>
+                  </a:txBody>
+                  <a:tcPr/>
+                </a:tc>
+                <a:extLst>
+                  <a:ext uri="{0D108BD9-81ED-4DB2-BD59-A6C34878D82A}">
+                    <a16:rowId xmlns:a16="http://schemas.microsoft.com/office/drawing/2014/main" val="2172269483"/>
+                  </a:ext>
+                </a:extLst>
+              </a:tr>
+              <a:tr h="425776">
+                <a:tc>
+                  <a:txBody>
+                    <a:bodyPr/>
+                    <a:lstStyle/>
+                    <a:p>
+                      <a:r>
+                        <a:rPr lang="en-US" sz="1600" kern="1200" dirty="0" smtClean="0">
+                          <a:solidFill>
+                            <a:schemeClr val="dk1"/>
+                          </a:solidFill>
+                          <a:latin typeface="+mn-lt"/>
+                          <a:ea typeface="+mn-ea"/>
+                          <a:cs typeface="+mn-cs"/>
+                        </a:rPr>
+                        <a:t>1</a:t>
+                      </a:r>
+                      <a:endParaRPr lang="en-US" sz="1600" kern="1200" dirty="0">
+                        <a:solidFill>
+                          <a:schemeClr val="dk1"/>
+                        </a:solidFill>
+                        <a:latin typeface="+mn-lt"/>
+                        <a:ea typeface="+mn-ea"/>
+                        <a:cs typeface="+mn-cs"/>
+                      </a:endParaRPr>
+                    </a:p>
+                  </a:txBody>
+                  <a:tcPr/>
+                </a:tc>
+                <a:tc>
+                  <a:txBody>
+                    <a:bodyPr/>
+                    <a:lstStyle/>
+                    <a:p>
+                      <a:r>
+                        <a:rPr lang="en-US" sz="1600" kern="1200" dirty="0" smtClean="0">
+                          <a:solidFill>
+                            <a:schemeClr val="dk1"/>
+                          </a:solidFill>
+                          <a:latin typeface="+mn-lt"/>
+                          <a:ea typeface="+mn-ea"/>
+                          <a:cs typeface="+mn-cs"/>
+                        </a:rPr>
+                        <a:t>GIT HUB</a:t>
+                      </a:r>
+                      <a:endParaRPr lang="en-US" sz="1600" kern="1200" dirty="0">
+                        <a:solidFill>
+                          <a:schemeClr val="dk1"/>
+                        </a:solidFill>
+                        <a:latin typeface="+mn-lt"/>
+                        <a:ea typeface="+mn-ea"/>
+                        <a:cs typeface="+mn-cs"/>
+                      </a:endParaRPr>
+                    </a:p>
+                  </a:txBody>
+                  <a:tcPr/>
+                </a:tc>
+                <a:tc>
+                  <a:txBody>
+                    <a:bodyPr/>
+                    <a:lstStyle/>
+                    <a:p>
+                      <a:r>
+                        <a:rPr lang="en-US" sz="1600" kern="1200" dirty="0" smtClean="0">
+                          <a:solidFill>
+                            <a:schemeClr val="dk1"/>
+                          </a:solidFill>
+                          <a:latin typeface="+mn-lt"/>
+                          <a:ea typeface="+mn-ea"/>
+                          <a:cs typeface="+mn-cs"/>
+                        </a:rPr>
+                        <a:t>Docker Hub</a:t>
+                      </a:r>
+                      <a:endParaRPr lang="en-US" sz="1600" kern="1200" dirty="0">
+                        <a:solidFill>
+                          <a:schemeClr val="dk1"/>
+                        </a:solidFill>
+                        <a:latin typeface="+mn-lt"/>
+                        <a:ea typeface="+mn-ea"/>
+                        <a:cs typeface="+mn-cs"/>
+                      </a:endParaRPr>
+                    </a:p>
+                  </a:txBody>
+                  <a:tcPr/>
+                </a:tc>
+                <a:tc>
+                  <a:txBody>
+                    <a:bodyPr/>
+                    <a:lstStyle/>
+                    <a:p>
+                      <a:r>
+                        <a:rPr lang="en-US" sz="1600" kern="1200" dirty="0" err="1" smtClean="0">
+                          <a:solidFill>
+                            <a:schemeClr val="dk1"/>
+                          </a:solidFill>
+                          <a:latin typeface="+mn-lt"/>
+                          <a:ea typeface="+mn-ea"/>
+                          <a:cs typeface="+mn-cs"/>
+                        </a:rPr>
+                        <a:t>Ansible</a:t>
+                      </a:r>
+                      <a:endParaRPr lang="en-US" sz="1600" kern="1200" dirty="0">
+                        <a:solidFill>
+                          <a:schemeClr val="dk1"/>
+                        </a:solidFill>
+                        <a:latin typeface="+mn-lt"/>
+                        <a:ea typeface="+mn-ea"/>
+                        <a:cs typeface="+mn-cs"/>
+                      </a:endParaRPr>
+                    </a:p>
+                  </a:txBody>
+                  <a:tcPr/>
+                </a:tc>
+                <a:tc>
+                  <a:txBody>
+                    <a:bodyPr/>
+                    <a:lstStyle/>
+                    <a:p>
+                      <a:pPr marL="0" marR="0" lvl="0" indent="0" algn="l" defTabSz="457200" rtl="0" eaLnBrk="1" fontAlgn="auto" latinLnBrk="0" hangingPunct="1">
+                        <a:lnSpc>
+                          <a:spcPct val="100000"/>
+                        </a:lnSpc>
+                        <a:spcBef>
+                          <a:spcPts val="0"/>
+                        </a:spcBef>
+                        <a:spcAft>
+                          <a:spcPts val="0"/>
+                        </a:spcAft>
+                        <a:buClrTx/>
+                        <a:buSzTx/>
+                        <a:buFontTx/>
+                        <a:buNone/>
+                        <a:tabLst/>
+                        <a:defRPr/>
+                      </a:pPr>
+                      <a:r>
+                        <a:rPr lang="en-US" sz="1600" kern="1200" dirty="0" smtClean="0">
+                          <a:solidFill>
+                            <a:schemeClr val="dk1"/>
+                          </a:solidFill>
+                          <a:latin typeface="+mn-lt"/>
+                          <a:ea typeface="+mn-ea"/>
+                          <a:cs typeface="+mn-cs"/>
+                        </a:rPr>
+                        <a:t>Jenkins</a:t>
+                      </a:r>
+                    </a:p>
+                    <a:p>
+                      <a:endParaRPr lang="en-US" sz="1600" kern="1200" dirty="0">
+                        <a:solidFill>
+                          <a:schemeClr val="dk1"/>
+                        </a:solidFill>
+                        <a:latin typeface="+mn-lt"/>
+                        <a:ea typeface="+mn-ea"/>
+                        <a:cs typeface="+mn-cs"/>
+                      </a:endParaRPr>
+                    </a:p>
+                  </a:txBody>
+                  <a:tcPr/>
+                </a:tc>
+                <a:tc>
+                  <a:txBody>
+                    <a:bodyPr/>
+                    <a:lstStyle/>
+                    <a:p>
+                      <a:r>
+                        <a:rPr lang="en-US" sz="1600" kern="1200" dirty="0" smtClean="0">
+                          <a:solidFill>
+                            <a:schemeClr val="dk1"/>
+                          </a:solidFill>
+                          <a:latin typeface="+mn-lt"/>
+                          <a:ea typeface="+mn-ea"/>
+                          <a:cs typeface="+mn-cs"/>
+                        </a:rPr>
+                        <a:t>AWS</a:t>
+                      </a:r>
+                      <a:endParaRPr lang="en-US" sz="1600" kern="1200" dirty="0">
+                        <a:solidFill>
+                          <a:schemeClr val="dk1"/>
+                        </a:solidFill>
+                        <a:latin typeface="+mn-lt"/>
+                        <a:ea typeface="+mn-ea"/>
+                        <a:cs typeface="+mn-cs"/>
+                      </a:endParaRPr>
+                    </a:p>
+                  </a:txBody>
+                  <a:tcPr/>
+                </a:tc>
+                <a:extLst>
+                  <a:ext uri="{0D108BD9-81ED-4DB2-BD59-A6C34878D82A}">
+                    <a16:rowId xmlns:a16="http://schemas.microsoft.com/office/drawing/2014/main" val="2358541546"/>
+                  </a:ext>
+                </a:extLst>
+              </a:tr>
+              <a:tr h="664912">
+                <a:tc>
+                  <a:txBody>
+                    <a:bodyPr/>
+                    <a:lstStyle/>
+                    <a:p>
+                      <a:r>
+                        <a:rPr lang="en-US" sz="1600" kern="1200" dirty="0" smtClean="0">
+                          <a:solidFill>
+                            <a:schemeClr val="dk1"/>
+                          </a:solidFill>
+                          <a:latin typeface="+mn-lt"/>
+                          <a:ea typeface="+mn-ea"/>
+                          <a:cs typeface="+mn-cs"/>
+                        </a:rPr>
+                        <a:t>2</a:t>
+                      </a:r>
+                      <a:endParaRPr lang="en-US" sz="1600" kern="1200" dirty="0">
+                        <a:solidFill>
+                          <a:schemeClr val="dk1"/>
+                        </a:solidFill>
+                        <a:latin typeface="+mn-lt"/>
+                        <a:ea typeface="+mn-ea"/>
+                        <a:cs typeface="+mn-cs"/>
+                      </a:endParaRPr>
+                    </a:p>
+                  </a:txBody>
+                  <a:tcPr/>
+                </a:tc>
+                <a:tc>
+                  <a:txBody>
+                    <a:bodyPr/>
+                    <a:lstStyle/>
+                    <a:p>
+                      <a:r>
+                        <a:rPr lang="en-US" sz="1600" kern="1200" dirty="0" smtClean="0">
+                          <a:solidFill>
+                            <a:schemeClr val="dk1"/>
+                          </a:solidFill>
+                          <a:latin typeface="+mn-lt"/>
+                          <a:ea typeface="+mn-ea"/>
+                          <a:cs typeface="+mn-cs"/>
+                        </a:rPr>
+                        <a:t>Subversion(SVN)</a:t>
+                      </a:r>
+                      <a:endParaRPr lang="en-US" sz="1600" kern="1200" dirty="0">
+                        <a:solidFill>
+                          <a:schemeClr val="dk1"/>
+                        </a:solidFill>
+                        <a:latin typeface="+mn-lt"/>
+                        <a:ea typeface="+mn-ea"/>
+                        <a:cs typeface="+mn-cs"/>
+                      </a:endParaRPr>
+                    </a:p>
+                  </a:txBody>
+                  <a:tcPr/>
+                </a:tc>
+                <a:tc>
+                  <a:txBody>
+                    <a:bodyPr/>
+                    <a:lstStyle/>
+                    <a:p>
+                      <a:pPr marL="0" marR="0" lvl="0" indent="0" algn="l" defTabSz="457200" rtl="0" eaLnBrk="1" fontAlgn="auto" latinLnBrk="0" hangingPunct="1">
+                        <a:lnSpc>
+                          <a:spcPct val="100000"/>
+                        </a:lnSpc>
+                        <a:spcBef>
+                          <a:spcPts val="0"/>
+                        </a:spcBef>
+                        <a:spcAft>
+                          <a:spcPts val="0"/>
+                        </a:spcAft>
+                        <a:buClrTx/>
+                        <a:buSzTx/>
+                        <a:buFontTx/>
+                        <a:buNone/>
+                        <a:tabLst/>
+                        <a:defRPr/>
+                      </a:pPr>
+                      <a:r>
+                        <a:rPr lang="en-US" sz="1600" kern="1200" dirty="0" smtClean="0">
+                          <a:solidFill>
+                            <a:schemeClr val="dk1"/>
+                          </a:solidFill>
+                          <a:latin typeface="+mn-lt"/>
+                          <a:ea typeface="+mn-ea"/>
+                          <a:cs typeface="+mn-cs"/>
+                        </a:rPr>
+                        <a:t>Kubernetes</a:t>
+                      </a:r>
+                    </a:p>
+                  </a:txBody>
+                  <a:tcPr/>
+                </a:tc>
+                <a:tc>
+                  <a:txBody>
+                    <a:bodyPr/>
+                    <a:lstStyle/>
+                    <a:p>
+                      <a:r>
+                        <a:rPr lang="en-US" sz="1600" kern="1200" dirty="0" smtClean="0">
+                          <a:solidFill>
+                            <a:schemeClr val="dk1"/>
+                          </a:solidFill>
+                          <a:latin typeface="+mn-lt"/>
+                          <a:ea typeface="+mn-ea"/>
+                          <a:cs typeface="+mn-cs"/>
+                        </a:rPr>
+                        <a:t>Chef</a:t>
+                      </a:r>
+                      <a:endParaRPr lang="en-US" sz="1600" kern="1200" dirty="0">
+                        <a:solidFill>
+                          <a:schemeClr val="dk1"/>
+                        </a:solidFill>
+                        <a:latin typeface="+mn-lt"/>
+                        <a:ea typeface="+mn-ea"/>
+                        <a:cs typeface="+mn-cs"/>
+                      </a:endParaRPr>
+                    </a:p>
+                  </a:txBody>
+                  <a:tcPr/>
+                </a:tc>
+                <a:tc>
+                  <a:txBody>
+                    <a:bodyPr/>
+                    <a:lstStyle/>
+                    <a:p>
+                      <a:pPr marL="0" marR="0" lvl="0" indent="0" algn="l" defTabSz="457200" rtl="0" eaLnBrk="1" fontAlgn="auto" latinLnBrk="0" hangingPunct="1">
+                        <a:lnSpc>
+                          <a:spcPct val="100000"/>
+                        </a:lnSpc>
+                        <a:spcBef>
+                          <a:spcPts val="0"/>
+                        </a:spcBef>
+                        <a:spcAft>
+                          <a:spcPts val="0"/>
+                        </a:spcAft>
+                        <a:buClrTx/>
+                        <a:buSzTx/>
+                        <a:buFontTx/>
+                        <a:buNone/>
+                        <a:tabLst/>
+                        <a:defRPr/>
+                      </a:pPr>
+                      <a:r>
+                        <a:rPr lang="en-US" sz="1600" kern="1200" dirty="0" smtClean="0">
+                          <a:solidFill>
+                            <a:schemeClr val="dk1"/>
+                          </a:solidFill>
+                          <a:latin typeface="+mn-lt"/>
+                          <a:ea typeface="+mn-ea"/>
+                          <a:cs typeface="+mn-cs"/>
+                        </a:rPr>
+                        <a:t>TeamCity</a:t>
+                      </a:r>
+                    </a:p>
+                    <a:p>
+                      <a:endParaRPr lang="en-US" sz="1600" kern="1200" dirty="0">
+                        <a:solidFill>
+                          <a:schemeClr val="dk1"/>
+                        </a:solidFill>
+                        <a:latin typeface="+mn-lt"/>
+                        <a:ea typeface="+mn-ea"/>
+                        <a:cs typeface="+mn-cs"/>
+                      </a:endParaRPr>
+                    </a:p>
+                  </a:txBody>
+                  <a:tcPr/>
+                </a:tc>
+                <a:tc>
+                  <a:txBody>
+                    <a:bodyPr/>
+                    <a:lstStyle/>
+                    <a:p>
+                      <a:r>
+                        <a:rPr lang="en-US" sz="1600" kern="1200" dirty="0" smtClean="0">
+                          <a:solidFill>
+                            <a:schemeClr val="dk1"/>
+                          </a:solidFill>
+                          <a:latin typeface="+mn-lt"/>
+                          <a:ea typeface="+mn-ea"/>
+                          <a:cs typeface="+mn-cs"/>
+                        </a:rPr>
+                        <a:t>Azure</a:t>
+                      </a:r>
+                      <a:endParaRPr lang="en-US" sz="1600" kern="1200" dirty="0">
+                        <a:solidFill>
+                          <a:schemeClr val="dk1"/>
+                        </a:solidFill>
+                        <a:latin typeface="+mn-lt"/>
+                        <a:ea typeface="+mn-ea"/>
+                        <a:cs typeface="+mn-cs"/>
+                      </a:endParaRPr>
+                    </a:p>
+                  </a:txBody>
+                  <a:tcPr/>
+                </a:tc>
+                <a:extLst>
+                  <a:ext uri="{0D108BD9-81ED-4DB2-BD59-A6C34878D82A}">
+                    <a16:rowId xmlns:a16="http://schemas.microsoft.com/office/drawing/2014/main" val="2899475801"/>
+                  </a:ext>
+                </a:extLst>
+              </a:tr>
+              <a:tr h="944874">
+                <a:tc>
+                  <a:txBody>
+                    <a:bodyPr/>
+                    <a:lstStyle/>
+                    <a:p>
+                      <a:r>
+                        <a:rPr lang="en-US" sz="1600" kern="1200" dirty="0" smtClean="0">
+                          <a:solidFill>
+                            <a:schemeClr val="dk1"/>
+                          </a:solidFill>
+                          <a:latin typeface="+mn-lt"/>
+                          <a:ea typeface="+mn-ea"/>
+                          <a:cs typeface="+mn-cs"/>
+                        </a:rPr>
+                        <a:t>3</a:t>
+                      </a:r>
+                      <a:endParaRPr lang="en-US" sz="1600" kern="1200" dirty="0">
+                        <a:solidFill>
+                          <a:schemeClr val="dk1"/>
+                        </a:solidFill>
+                        <a:latin typeface="+mn-lt"/>
+                        <a:ea typeface="+mn-ea"/>
+                        <a:cs typeface="+mn-cs"/>
+                      </a:endParaRPr>
+                    </a:p>
+                  </a:txBody>
+                  <a:tcPr/>
+                </a:tc>
+                <a:tc>
+                  <a:txBody>
+                    <a:bodyPr/>
+                    <a:lstStyle/>
+                    <a:p>
+                      <a:pPr marL="0" marR="0" lvl="0" indent="0" algn="l" defTabSz="457200" rtl="0" eaLnBrk="1" fontAlgn="auto" latinLnBrk="0" hangingPunct="1">
+                        <a:lnSpc>
+                          <a:spcPct val="100000"/>
+                        </a:lnSpc>
+                        <a:spcBef>
+                          <a:spcPts val="0"/>
+                        </a:spcBef>
+                        <a:spcAft>
+                          <a:spcPts val="0"/>
+                        </a:spcAft>
+                        <a:buClrTx/>
+                        <a:buSzTx/>
+                        <a:buFontTx/>
+                        <a:buNone/>
+                        <a:tabLst/>
+                        <a:defRPr/>
+                      </a:pPr>
+                      <a:r>
+                        <a:rPr lang="en-US" sz="1600" kern="1200" dirty="0" smtClean="0">
+                          <a:solidFill>
+                            <a:schemeClr val="dk1"/>
+                          </a:solidFill>
+                          <a:latin typeface="+mn-lt"/>
+                          <a:ea typeface="+mn-ea"/>
+                          <a:cs typeface="+mn-cs"/>
+                        </a:rPr>
+                        <a:t>Team Foundation Server (TFS)</a:t>
+                      </a:r>
+                    </a:p>
+                  </a:txBody>
+                  <a:tcPr/>
+                </a:tc>
+                <a:tc>
+                  <a:txBody>
+                    <a:bodyPr/>
+                    <a:lstStyle/>
+                    <a:p>
+                      <a:r>
+                        <a:rPr lang="en-US" sz="1600" kern="1200" dirty="0" smtClean="0">
+                          <a:solidFill>
+                            <a:schemeClr val="dk1"/>
+                          </a:solidFill>
+                          <a:latin typeface="+mn-lt"/>
+                          <a:ea typeface="+mn-ea"/>
+                          <a:cs typeface="+mn-cs"/>
+                        </a:rPr>
+                        <a:t>Solaris Containers</a:t>
+                      </a:r>
+                      <a:endParaRPr lang="en-US" sz="1600" kern="1200" dirty="0">
+                        <a:solidFill>
+                          <a:schemeClr val="dk1"/>
+                        </a:solidFill>
+                        <a:latin typeface="+mn-lt"/>
+                        <a:ea typeface="+mn-ea"/>
+                        <a:cs typeface="+mn-cs"/>
+                      </a:endParaRPr>
+                    </a:p>
+                  </a:txBody>
+                  <a:tcPr/>
+                </a:tc>
+                <a:tc>
+                  <a:txBody>
+                    <a:bodyPr/>
+                    <a:lstStyle/>
+                    <a:p>
+                      <a:r>
+                        <a:rPr lang="en-US" sz="1600" kern="1200" dirty="0" smtClean="0">
+                          <a:solidFill>
+                            <a:schemeClr val="dk1"/>
+                          </a:solidFill>
+                          <a:latin typeface="+mn-lt"/>
+                          <a:ea typeface="+mn-ea"/>
+                          <a:cs typeface="+mn-cs"/>
+                        </a:rPr>
+                        <a:t>Puppet</a:t>
+                      </a:r>
+                      <a:endParaRPr lang="en-US" sz="1600" kern="1200" dirty="0">
+                        <a:solidFill>
+                          <a:schemeClr val="dk1"/>
+                        </a:solidFill>
+                        <a:latin typeface="+mn-lt"/>
+                        <a:ea typeface="+mn-ea"/>
+                        <a:cs typeface="+mn-cs"/>
+                      </a:endParaRPr>
+                    </a:p>
+                  </a:txBody>
+                  <a:tcPr/>
+                </a:tc>
+                <a:tc>
+                  <a:txBody>
+                    <a:bodyPr/>
+                    <a:lstStyle/>
+                    <a:p>
+                      <a:pPr marL="0" marR="0" lvl="0" indent="0" algn="l" defTabSz="457200" rtl="0" eaLnBrk="1" fontAlgn="auto" latinLnBrk="0" hangingPunct="1">
+                        <a:lnSpc>
+                          <a:spcPct val="100000"/>
+                        </a:lnSpc>
+                        <a:spcBef>
+                          <a:spcPts val="0"/>
+                        </a:spcBef>
+                        <a:spcAft>
+                          <a:spcPts val="0"/>
+                        </a:spcAft>
+                        <a:buClrTx/>
+                        <a:buSzTx/>
+                        <a:buFontTx/>
+                        <a:buNone/>
+                        <a:tabLst/>
+                        <a:defRPr/>
+                      </a:pPr>
+                      <a:r>
+                        <a:rPr lang="en-US" sz="1600" kern="1200" dirty="0" smtClean="0">
+                          <a:solidFill>
+                            <a:schemeClr val="dk1"/>
+                          </a:solidFill>
+                          <a:latin typeface="+mn-lt"/>
+                          <a:ea typeface="+mn-ea"/>
+                          <a:cs typeface="+mn-cs"/>
+                        </a:rPr>
+                        <a:t>Bamboo</a:t>
+                      </a:r>
+                    </a:p>
+                    <a:p>
+                      <a:endParaRPr lang="en-US" sz="1600" kern="1200" dirty="0">
+                        <a:solidFill>
+                          <a:schemeClr val="dk1"/>
+                        </a:solidFill>
+                        <a:latin typeface="+mn-lt"/>
+                        <a:ea typeface="+mn-ea"/>
+                        <a:cs typeface="+mn-cs"/>
+                      </a:endParaRPr>
+                    </a:p>
+                  </a:txBody>
+                  <a:tcPr/>
+                </a:tc>
+                <a:tc>
+                  <a:txBody>
+                    <a:bodyPr/>
+                    <a:lstStyle/>
+                    <a:p>
+                      <a:r>
+                        <a:rPr lang="en-US" sz="1600" kern="1200" dirty="0" smtClean="0">
+                          <a:solidFill>
+                            <a:schemeClr val="dk1"/>
+                          </a:solidFill>
+                          <a:latin typeface="+mn-lt"/>
+                          <a:ea typeface="+mn-ea"/>
+                          <a:cs typeface="+mn-cs"/>
+                        </a:rPr>
+                        <a:t>Google Cloud Platform</a:t>
+                      </a:r>
+                      <a:endParaRPr lang="en-US" sz="1600" kern="1200" dirty="0">
+                        <a:solidFill>
+                          <a:schemeClr val="dk1"/>
+                        </a:solidFill>
+                        <a:latin typeface="+mn-lt"/>
+                        <a:ea typeface="+mn-ea"/>
+                        <a:cs typeface="+mn-cs"/>
+                      </a:endParaRPr>
+                    </a:p>
+                  </a:txBody>
+                  <a:tcPr/>
+                </a:tc>
+                <a:extLst>
+                  <a:ext uri="{0D108BD9-81ED-4DB2-BD59-A6C34878D82A}">
+                    <a16:rowId xmlns:a16="http://schemas.microsoft.com/office/drawing/2014/main" val="3467623638"/>
+                  </a:ext>
+                </a:extLst>
+              </a:tr>
+              <a:tr h="425776">
+                <a:tc>
+                  <a:txBody>
+                    <a:bodyPr/>
+                    <a:lstStyle/>
+                    <a:p>
+                      <a:r>
+                        <a:rPr lang="en-US" sz="1600" kern="1200" dirty="0" smtClean="0">
+                          <a:solidFill>
+                            <a:schemeClr val="dk1"/>
+                          </a:solidFill>
+                          <a:latin typeface="+mn-lt"/>
+                          <a:ea typeface="+mn-ea"/>
+                          <a:cs typeface="+mn-cs"/>
+                        </a:rPr>
+                        <a:t>4</a:t>
+                      </a:r>
+                      <a:endParaRPr lang="en-US" sz="1600" kern="1200" dirty="0">
+                        <a:solidFill>
+                          <a:schemeClr val="dk1"/>
+                        </a:solidFill>
+                        <a:latin typeface="+mn-lt"/>
+                        <a:ea typeface="+mn-ea"/>
+                        <a:cs typeface="+mn-cs"/>
+                      </a:endParaRPr>
+                    </a:p>
+                  </a:txBody>
+                  <a:tcPr/>
+                </a:tc>
+                <a:tc>
+                  <a:txBody>
+                    <a:bodyPr/>
+                    <a:lstStyle/>
+                    <a:p>
+                      <a:pPr marL="0" marR="0" lvl="0" indent="0" algn="l" defTabSz="457200" rtl="0" eaLnBrk="1" fontAlgn="auto" latinLnBrk="0" hangingPunct="1">
+                        <a:lnSpc>
+                          <a:spcPct val="100000"/>
+                        </a:lnSpc>
+                        <a:spcBef>
+                          <a:spcPts val="0"/>
+                        </a:spcBef>
+                        <a:spcAft>
+                          <a:spcPts val="0"/>
+                        </a:spcAft>
+                        <a:buClrTx/>
+                        <a:buSzTx/>
+                        <a:buFontTx/>
+                        <a:buNone/>
+                        <a:tabLst/>
+                        <a:defRPr/>
+                      </a:pPr>
+                      <a:r>
+                        <a:rPr lang="en-US" sz="1600" kern="1200" dirty="0" err="1" smtClean="0">
+                          <a:solidFill>
+                            <a:schemeClr val="dk1"/>
+                          </a:solidFill>
+                          <a:latin typeface="+mn-lt"/>
+                          <a:ea typeface="+mn-ea"/>
+                          <a:cs typeface="+mn-cs"/>
+                        </a:rPr>
+                        <a:t>Gerrit</a:t>
+                      </a:r>
+                      <a:endParaRPr lang="en-US" sz="1600" kern="1200" dirty="0" smtClean="0">
+                        <a:solidFill>
+                          <a:schemeClr val="dk1"/>
+                        </a:solidFill>
+                        <a:latin typeface="+mn-lt"/>
+                        <a:ea typeface="+mn-ea"/>
+                        <a:cs typeface="+mn-cs"/>
+                      </a:endParaRPr>
+                    </a:p>
+                  </a:txBody>
+                  <a:tcPr/>
+                </a:tc>
+                <a:tc>
+                  <a:txBody>
+                    <a:bodyPr/>
+                    <a:lstStyle/>
+                    <a:p>
+                      <a:endParaRPr lang="en-US" sz="1600" kern="1200">
+                        <a:solidFill>
+                          <a:schemeClr val="dk1"/>
+                        </a:solidFill>
+                        <a:latin typeface="+mn-lt"/>
+                        <a:ea typeface="+mn-ea"/>
+                        <a:cs typeface="+mn-cs"/>
+                      </a:endParaRPr>
+                    </a:p>
+                  </a:txBody>
+                  <a:tcPr/>
+                </a:tc>
+                <a:tc>
+                  <a:txBody>
+                    <a:bodyPr/>
+                    <a:lstStyle/>
+                    <a:p>
+                      <a:r>
+                        <a:rPr lang="en-US" sz="1600" kern="1200" dirty="0" err="1" smtClean="0">
+                          <a:solidFill>
+                            <a:schemeClr val="dk1"/>
+                          </a:solidFill>
+                          <a:latin typeface="+mn-lt"/>
+                          <a:ea typeface="+mn-ea"/>
+                          <a:cs typeface="+mn-cs"/>
+                        </a:rPr>
+                        <a:t>SaltStack</a:t>
+                      </a:r>
+                      <a:endParaRPr lang="en-US" sz="1600" kern="1200" dirty="0">
+                        <a:solidFill>
+                          <a:schemeClr val="dk1"/>
+                        </a:solidFill>
+                        <a:latin typeface="+mn-lt"/>
+                        <a:ea typeface="+mn-ea"/>
+                        <a:cs typeface="+mn-cs"/>
+                      </a:endParaRPr>
+                    </a:p>
+                  </a:txBody>
+                  <a:tcPr/>
+                </a:tc>
+                <a:tc>
+                  <a:txBody>
+                    <a:bodyPr/>
+                    <a:lstStyle/>
+                    <a:p>
+                      <a:pPr marL="0" marR="0" lvl="0" indent="0" algn="l" defTabSz="457200" rtl="0" eaLnBrk="1" fontAlgn="auto" latinLnBrk="0" hangingPunct="1">
+                        <a:lnSpc>
+                          <a:spcPct val="100000"/>
+                        </a:lnSpc>
+                        <a:spcBef>
+                          <a:spcPts val="0"/>
+                        </a:spcBef>
+                        <a:spcAft>
+                          <a:spcPts val="0"/>
+                        </a:spcAft>
+                        <a:buClrTx/>
+                        <a:buSzTx/>
+                        <a:buFontTx/>
+                        <a:buNone/>
+                        <a:tabLst/>
+                        <a:defRPr/>
+                      </a:pPr>
+                      <a:r>
+                        <a:rPr lang="en-US" sz="1600" kern="1200" dirty="0" err="1" smtClean="0">
+                          <a:solidFill>
+                            <a:schemeClr val="dk1"/>
+                          </a:solidFill>
+                          <a:latin typeface="+mn-lt"/>
+                          <a:ea typeface="+mn-ea"/>
+                          <a:cs typeface="+mn-cs"/>
+                        </a:rPr>
+                        <a:t>CircleCI</a:t>
+                      </a:r>
+                      <a:endParaRPr lang="en-US" sz="1600" kern="1200" dirty="0" smtClean="0">
+                        <a:solidFill>
+                          <a:schemeClr val="dk1"/>
+                        </a:solidFill>
+                        <a:latin typeface="+mn-lt"/>
+                        <a:ea typeface="+mn-ea"/>
+                        <a:cs typeface="+mn-cs"/>
+                      </a:endParaRPr>
+                    </a:p>
+                    <a:p>
+                      <a:endParaRPr lang="en-US" sz="1600" kern="1200" dirty="0">
+                        <a:solidFill>
+                          <a:schemeClr val="dk1"/>
+                        </a:solidFill>
+                        <a:latin typeface="+mn-lt"/>
+                        <a:ea typeface="+mn-ea"/>
+                        <a:cs typeface="+mn-cs"/>
+                      </a:endParaRPr>
+                    </a:p>
+                  </a:txBody>
+                  <a:tcPr/>
+                </a:tc>
+                <a:tc>
+                  <a:txBody>
+                    <a:bodyPr/>
+                    <a:lstStyle/>
+                    <a:p>
+                      <a:endParaRPr lang="en-US" sz="1600" kern="1200" dirty="0">
+                        <a:solidFill>
+                          <a:schemeClr val="dk1"/>
+                        </a:solidFill>
+                        <a:latin typeface="+mn-lt"/>
+                        <a:ea typeface="+mn-ea"/>
+                        <a:cs typeface="+mn-cs"/>
+                      </a:endParaRPr>
+                    </a:p>
+                  </a:txBody>
+                  <a:tcPr/>
+                </a:tc>
+                <a:extLst>
+                  <a:ext uri="{0D108BD9-81ED-4DB2-BD59-A6C34878D82A}">
+                    <a16:rowId xmlns:a16="http://schemas.microsoft.com/office/drawing/2014/main" val="3157205636"/>
+                  </a:ext>
+                </a:extLst>
+              </a:tr>
+            </a:tbl>
+          </a:graphicData>
+        </a:graphic>
+      </p:graphicFrame>
+      <p:sp>
+        <p:nvSpPr>
+          <p:cNvPr id="14" name="Rectangle 13"/>
+          <p:cNvSpPr/>
+          <p:nvPr/>
+        </p:nvSpPr>
+        <p:spPr>
+          <a:xfrm>
+            <a:off x="379638" y="644825"/>
+            <a:ext cx="9469755" cy="646331"/>
+          </a:xfrm>
+          <a:prstGeom prst="rect">
+            <a:avLst/>
+          </a:prstGeom>
+        </p:spPr>
+        <p:txBody>
+          <a:bodyPr wrap="square">
+            <a:spAutoFit/>
+          </a:bodyPr>
+          <a:lstStyle/>
+          <a:p>
+            <a:r>
+              <a:rPr lang="en-US" sz="3600" dirty="0"/>
+              <a:t>Tools majorly used in </a:t>
+            </a:r>
+            <a:r>
+              <a:rPr lang="en-US" sz="3600" dirty="0" err="1"/>
+              <a:t>Devops</a:t>
+            </a:r>
+            <a:endParaRPr lang="en-US" sz="3600" dirty="0"/>
+          </a:p>
+        </p:txBody>
+      </p:sp>
+    </p:spTree>
+    <p:extLst>
+      <p:ext uri="{BB962C8B-B14F-4D97-AF65-F5344CB8AC3E}">
+        <p14:creationId xmlns:p14="http://schemas.microsoft.com/office/powerpoint/2010/main" val="3971844402"/>
+      </p:ext>
+    </p:extLst>
+  </p:cSld>
+  <p:clrMapOvr>
+    <a:masterClrMapping/>
+  </p:clrMapOvr>
+  <p:transition spd="med">
+    <p:pull/>
+  </p:transition>
+  <p:timing>
+    <p:tnLst>
+      <p:par>
+        <p:cTn id="1" dur="indefinite" restart="never" nodeType="tmRoot"/>
+      </p:par>
+    </p:tnLst>
+  </p:timing>
+</p:sld>
+</file>
+
+<file path=ppt/slides/slide9.xml><?xml version="1.0" encoding="utf-8"?>
+<p:sld xmlns:a="http://schemas.openxmlformats.org/drawingml/2006/main" xmlns:r="http://schemas.openxmlformats.org/officeDocument/2006/relationships" xmlns:p="http://schemas.openxmlformats.org/presentationml/2006/main">
+  <p:cSld>
+    <p:spTree>
+      <p:nvGrpSpPr>
+        <p:cNvPr id="1" name=""/>
+        <p:cNvGrpSpPr/>
+        <p:nvPr/>
+      </p:nvGrpSpPr>
+      <p:grpSpPr>
+        <a:xfrm>
+          <a:off x="0" y="0"/>
+          <a:ext cx="0" cy="0"/>
+          <a:chOff x="0" y="0"/>
+          <a:chExt cx="0" cy="0"/>
+        </a:xfrm>
+      </p:grpSpPr>
+      <p:sp>
+        <p:nvSpPr>
+          <p:cNvPr id="2" name="Title 1"/>
+          <p:cNvSpPr>
+            <a:spLocks noGrp="1"/>
+          </p:cNvSpPr>
+          <p:nvPr>
+            <p:ph type="title"/>
+          </p:nvPr>
+        </p:nvSpPr>
+        <p:spPr>
+          <a:xfrm>
+            <a:off x="646111" y="452718"/>
+            <a:ext cx="9404723" cy="818870"/>
+          </a:xfrm>
+        </p:spPr>
+        <p:txBody>
+          <a:bodyPr/>
+          <a:lstStyle/>
+          <a:p>
+            <a:r>
+              <a:rPr lang="en-US" dirty="0"/>
+              <a:t>Overview of course</a:t>
+            </a:r>
+            <a:br>
+              <a:rPr lang="en-US" dirty="0"/>
+            </a:br>
+            <a:endParaRPr lang="en-US" dirty="0"/>
+          </a:p>
+        </p:txBody>
+      </p:sp>
+      <p:pic>
+        <p:nvPicPr>
+          <p:cNvPr id="6" name="Content Placeholder 5"/>
+          <p:cNvPicPr>
+            <a:picLocks noGrp="1" noChangeAspect="1"/>
+          </p:cNvPicPr>
+          <p:nvPr>
+            <p:ph idx="1"/>
+          </p:nvPr>
+        </p:nvPicPr>
+        <p:blipFill>
+          <a:blip r:embed="rId2">
+            <a:extLst>
+              <a:ext uri="{28A0092B-C50C-407E-A947-70E740481C1C}">
+                <a14:useLocalDpi xmlns:a14="http://schemas.microsoft.com/office/drawing/2010/main" val="0"/>
+              </a:ext>
+            </a:extLst>
+          </a:blip>
+          <a:stretch>
+            <a:fillRect/>
+          </a:stretch>
+        </p:blipFill>
+        <p:spPr>
+          <a:xfrm>
+            <a:off x="200025" y="1514475"/>
+            <a:ext cx="11458575" cy="4986338"/>
           </a:xfrm>
         </p:spPr>
       </p:pic>
     </p:spTree>
     <p:extLst>
       <p:ext uri="{BB962C8B-B14F-4D97-AF65-F5344CB8AC3E}">
-        <p14:creationId xmlns:p14="http://schemas.microsoft.com/office/powerpoint/2010/main" val="3973789527"/>
+        <p14:creationId xmlns:p14="http://schemas.microsoft.com/office/powerpoint/2010/main" val="2528105774"/>
       </p:ext>
     </p:extLst>
   </p:cSld>
   <p:clrMapOvr>
     <a:masterClrMapping/>
   </p:clrMapOvr>
+  <p:transition spd="med">
+    <p:pull/>
+  </p:transition>
+  <p:timing>
+    <p:tnLst>
+      <p:par>
+        <p:cTn id="1" dur="indefinite" restart="never" nodeType="tmRoot"/>
+      </p:par>
+    </p:tnLst>
+  </p:timing>
 </p:sld>
 </file>
 
